--- a/NeuronalNet/Alex/Schriftartenerkennung mit CNN.pptx
+++ b/NeuronalNet/Alex/Schriftartenerkennung mit CNN.pptx
@@ -5,23 +5,24 @@
     <p:sldMasterId id="2147483648" r:id="rId1"/>
   </p:sldMasterIdLst>
   <p:notesMasterIdLst>
-    <p:notesMasterId r:id="rId16"/>
+    <p:notesMasterId r:id="rId17"/>
   </p:notesMasterIdLst>
   <p:sldIdLst>
     <p:sldId id="256" r:id="rId2"/>
-    <p:sldId id="259" r:id="rId3"/>
-    <p:sldId id="260" r:id="rId4"/>
-    <p:sldId id="261" r:id="rId5"/>
-    <p:sldId id="262" r:id="rId6"/>
-    <p:sldId id="263" r:id="rId7"/>
-    <p:sldId id="264" r:id="rId8"/>
-    <p:sldId id="267" r:id="rId9"/>
-    <p:sldId id="265" r:id="rId10"/>
-    <p:sldId id="278" r:id="rId11"/>
-    <p:sldId id="272" r:id="rId12"/>
-    <p:sldId id="273" r:id="rId13"/>
-    <p:sldId id="274" r:id="rId14"/>
-    <p:sldId id="277" r:id="rId15"/>
+    <p:sldId id="261" r:id="rId3"/>
+    <p:sldId id="259" r:id="rId4"/>
+    <p:sldId id="260" r:id="rId5"/>
+    <p:sldId id="279" r:id="rId6"/>
+    <p:sldId id="262" r:id="rId7"/>
+    <p:sldId id="263" r:id="rId8"/>
+    <p:sldId id="264" r:id="rId9"/>
+    <p:sldId id="267" r:id="rId10"/>
+    <p:sldId id="265" r:id="rId11"/>
+    <p:sldId id="278" r:id="rId12"/>
+    <p:sldId id="272" r:id="rId13"/>
+    <p:sldId id="273" r:id="rId14"/>
+    <p:sldId id="274" r:id="rId15"/>
+    <p:sldId id="277" r:id="rId16"/>
   </p:sldIdLst>
   <p:sldSz cx="12192000" cy="6858000"/>
   <p:notesSz cx="6858000" cy="9144000"/>
@@ -275,14 +276,7 @@
           <c:invertIfNegative val="0"/>
           <c:cat>
             <c:strRef>
-              <c:extLst>
-                <c:ext xmlns:c15="http://schemas.microsoft.com/office/drawing/2012/chart" uri="{02D57815-91ED-43cb-92C2-25804820EDAC}">
-                  <c15:fullRef>
-                    <c15:sqref>evaluate!$A$3:$A$12</c15:sqref>
-                  </c15:fullRef>
-                </c:ext>
-              </c:extLst>
-              <c:f>(evaluate!$A$4:$A$8,evaluate!$A$10)</c:f>
+              <c:f>evaluate!$A$3:$A$12</c:f>
               <c:strCache>
                 <c:ptCount val="6"/>
                 <c:pt idx="0">
@@ -308,14 +302,7 @@
           </c:cat>
           <c:val>
             <c:numRef>
-              <c:extLst>
-                <c:ext xmlns:c15="http://schemas.microsoft.com/office/drawing/2012/chart" uri="{02D57815-91ED-43cb-92C2-25804820EDAC}">
-                  <c15:fullRef>
-                    <c15:sqref>evaluate!$C$3:$C$12</c15:sqref>
-                  </c15:fullRef>
-                </c:ext>
-              </c:extLst>
-              <c:f>(evaluate!$C$4:$C$8,evaluate!$C$10)</c:f>
+              <c:f>evaluate!$C$3:$C$12</c:f>
               <c:numCache>
                 <c:formatCode>0.00%</c:formatCode>
                 <c:ptCount val="6"/>
@@ -662,14 +649,7 @@
           <c:invertIfNegative val="0"/>
           <c:cat>
             <c:strRef>
-              <c:extLst>
-                <c:ext xmlns:c15="http://schemas.microsoft.com/office/drawing/2012/chart" uri="{02D57815-91ED-43cb-92C2-25804820EDAC}">
-                  <c15:fullRef>
-                    <c15:sqref>evaluate!$A$15:$A$24</c15:sqref>
-                  </c15:fullRef>
-                </c:ext>
-              </c:extLst>
-              <c:f>(evaluate!$A$16:$A$20,evaluate!$A$22)</c:f>
+              <c:f>evaluate!$A$15:$A$24</c:f>
               <c:strCache>
                 <c:ptCount val="6"/>
                 <c:pt idx="0">
@@ -695,14 +675,7 @@
           </c:cat>
           <c:val>
             <c:numRef>
-              <c:extLst>
-                <c:ext xmlns:c15="http://schemas.microsoft.com/office/drawing/2012/chart" uri="{02D57815-91ED-43cb-92C2-25804820EDAC}">
-                  <c15:fullRef>
-                    <c15:sqref>evaluate!$C$15:$C$24</c15:sqref>
-                  </c15:fullRef>
-                </c:ext>
-              </c:extLst>
-              <c:f>(evaluate!$C$16:$C$20,evaluate!$C$22)</c:f>
+              <c:f>evaluate!$C$15:$C$24</c:f>
               <c:numCache>
                 <c:formatCode>0.00%</c:formatCode>
                 <c:ptCount val="6"/>
@@ -1049,14 +1022,7 @@
           <c:invertIfNegative val="0"/>
           <c:cat>
             <c:strRef>
-              <c:extLst>
-                <c:ext xmlns:c15="http://schemas.microsoft.com/office/drawing/2012/chart" uri="{02D57815-91ED-43cb-92C2-25804820EDAC}">
-                  <c15:fullRef>
-                    <c15:sqref>evaluate!$A$27:$A$36</c15:sqref>
-                  </c15:fullRef>
-                </c:ext>
-              </c:extLst>
-              <c:f>(evaluate!$A$28:$A$32,evaluate!$A$34)</c:f>
+              <c:f>evaluate!$A$27:$A$36</c:f>
               <c:strCache>
                 <c:ptCount val="6"/>
                 <c:pt idx="0">
@@ -1082,14 +1048,7 @@
           </c:cat>
           <c:val>
             <c:numRef>
-              <c:extLst>
-                <c:ext xmlns:c15="http://schemas.microsoft.com/office/drawing/2012/chart" uri="{02D57815-91ED-43cb-92C2-25804820EDAC}">
-                  <c15:fullRef>
-                    <c15:sqref>evaluate!$C$27:$C$36</c15:sqref>
-                  </c15:fullRef>
-                </c:ext>
-              </c:extLst>
-              <c:f>(evaluate!$C$28:$C$32,evaluate!$C$34)</c:f>
+              <c:f>evaluate!$C$27:$C$36</c:f>
               <c:numCache>
                 <c:formatCode>0.00%</c:formatCode>
                 <c:ptCount val="6"/>
@@ -1445,14 +1404,7 @@
           <c:invertIfNegative val="0"/>
           <c:cat>
             <c:strRef>
-              <c:extLst>
-                <c:ext xmlns:c15="http://schemas.microsoft.com/office/drawing/2012/chart" uri="{02D57815-91ED-43cb-92C2-25804820EDAC}">
-                  <c15:fullRef>
-                    <c15:sqref>evaluate!$A$39:$A$48</c15:sqref>
-                  </c15:fullRef>
-                </c:ext>
-              </c:extLst>
-              <c:f>(evaluate!$A$40:$A$44,evaluate!$A$46)</c:f>
+              <c:f>evaluate!$A$39:$A$48</c:f>
               <c:strCache>
                 <c:ptCount val="6"/>
                 <c:pt idx="0">
@@ -1478,14 +1430,7 @@
           </c:cat>
           <c:val>
             <c:numRef>
-              <c:extLst>
-                <c:ext xmlns:c15="http://schemas.microsoft.com/office/drawing/2012/chart" uri="{02D57815-91ED-43cb-92C2-25804820EDAC}">
-                  <c15:fullRef>
-                    <c15:sqref>evaluate!$B$39:$B$48</c15:sqref>
-                  </c15:fullRef>
-                </c:ext>
-              </c:extLst>
-              <c:f>(evaluate!$B$40:$B$44,evaluate!$B$46)</c:f>
+              <c:f>evaluate!$B$39:$B$48</c:f>
               <c:numCache>
                 <c:formatCode>#,##0</c:formatCode>
                 <c:ptCount val="6"/>
@@ -1571,14 +1516,7 @@
           <c:invertIfNegative val="0"/>
           <c:cat>
             <c:strRef>
-              <c:extLst>
-                <c:ext xmlns:c15="http://schemas.microsoft.com/office/drawing/2012/chart" uri="{02D57815-91ED-43cb-92C2-25804820EDAC}">
-                  <c15:fullRef>
-                    <c15:sqref>evaluate!$A$39:$A$48</c15:sqref>
-                  </c15:fullRef>
-                </c:ext>
-              </c:extLst>
-              <c:f>(evaluate!$A$40:$A$44,evaluate!$A$46)</c:f>
+              <c:f>evaluate!$A$39:$A$48</c:f>
               <c:strCache>
                 <c:ptCount val="6"/>
                 <c:pt idx="0">
@@ -1604,14 +1542,7 @@
           </c:cat>
           <c:val>
             <c:numRef>
-              <c:extLst>
-                <c:ext xmlns:c15="http://schemas.microsoft.com/office/drawing/2012/chart" uri="{02D57815-91ED-43cb-92C2-25804820EDAC}">
-                  <c15:fullRef>
-                    <c15:sqref>evaluate!$C$39:$C$48</c15:sqref>
-                  </c15:fullRef>
-                </c:ext>
-              </c:extLst>
-              <c:f>(evaluate!$C$40:$C$44,evaluate!$C$46)</c:f>
+              <c:f>evaluate!$C$39:$C$48</c:f>
               <c:numCache>
                 <c:formatCode>General</c:formatCode>
                 <c:ptCount val="6"/>
@@ -4132,7 +4063,7 @@
           <a:p>
             <a:fld id="{DC584425-0AC9-4069-BC14-870993071D0C}" type="datetimeFigureOut">
               <a:rPr lang="de-DE" smtClean="0"/>
-              <a:t>21.06.2017</a:t>
+              <a:t>22.06.2017</a:t>
             </a:fld>
             <a:endParaRPr lang="de-DE"/>
           </a:p>
@@ -4464,7 +4395,7 @@
           <a:p>
             <a:fld id="{1B1E1E0F-3FB6-453E-B49E-06C0B0FE3AD0}" type="slidenum">
               <a:rPr lang="de-DE" smtClean="0"/>
-              <a:t>14</a:t>
+              <a:t>15</a:t>
             </a:fld>
             <a:endParaRPr lang="de-DE"/>
           </a:p>
@@ -4630,7 +4561,7 @@
           <a:p>
             <a:fld id="{0622BFF5-50AA-480C-8527-ECFB42F6D36D}" type="datetimeFigureOut">
               <a:rPr lang="de-DE" smtClean="0"/>
-              <a:t>21.06.2017</a:t>
+              <a:t>22.06.2017</a:t>
             </a:fld>
             <a:endParaRPr lang="de-DE"/>
           </a:p>
@@ -4828,7 +4759,7 @@
           <a:p>
             <a:fld id="{0622BFF5-50AA-480C-8527-ECFB42F6D36D}" type="datetimeFigureOut">
               <a:rPr lang="de-DE" smtClean="0"/>
-              <a:t>21.06.2017</a:t>
+              <a:t>22.06.2017</a:t>
             </a:fld>
             <a:endParaRPr lang="de-DE"/>
           </a:p>
@@ -5036,7 +4967,7 @@
           <a:p>
             <a:fld id="{0622BFF5-50AA-480C-8527-ECFB42F6D36D}" type="datetimeFigureOut">
               <a:rPr lang="de-DE" smtClean="0"/>
-              <a:t>21.06.2017</a:t>
+              <a:t>22.06.2017</a:t>
             </a:fld>
             <a:endParaRPr lang="de-DE"/>
           </a:p>
@@ -5234,7 +5165,7 @@
           <a:p>
             <a:fld id="{0622BFF5-50AA-480C-8527-ECFB42F6D36D}" type="datetimeFigureOut">
               <a:rPr lang="de-DE" smtClean="0"/>
-              <a:t>21.06.2017</a:t>
+              <a:t>22.06.2017</a:t>
             </a:fld>
             <a:endParaRPr lang="de-DE"/>
           </a:p>
@@ -5509,7 +5440,7 @@
           <a:p>
             <a:fld id="{0622BFF5-50AA-480C-8527-ECFB42F6D36D}" type="datetimeFigureOut">
               <a:rPr lang="de-DE" smtClean="0"/>
-              <a:t>21.06.2017</a:t>
+              <a:t>22.06.2017</a:t>
             </a:fld>
             <a:endParaRPr lang="de-DE"/>
           </a:p>
@@ -5774,7 +5705,7 @@
           <a:p>
             <a:fld id="{0622BFF5-50AA-480C-8527-ECFB42F6D36D}" type="datetimeFigureOut">
               <a:rPr lang="de-DE" smtClean="0"/>
-              <a:t>21.06.2017</a:t>
+              <a:t>22.06.2017</a:t>
             </a:fld>
             <a:endParaRPr lang="de-DE"/>
           </a:p>
@@ -6186,7 +6117,7 @@
           <a:p>
             <a:fld id="{0622BFF5-50AA-480C-8527-ECFB42F6D36D}" type="datetimeFigureOut">
               <a:rPr lang="de-DE" smtClean="0"/>
-              <a:t>21.06.2017</a:t>
+              <a:t>22.06.2017</a:t>
             </a:fld>
             <a:endParaRPr lang="de-DE"/>
           </a:p>
@@ -6327,7 +6258,7 @@
           <a:p>
             <a:fld id="{0622BFF5-50AA-480C-8527-ECFB42F6D36D}" type="datetimeFigureOut">
               <a:rPr lang="de-DE" smtClean="0"/>
-              <a:t>21.06.2017</a:t>
+              <a:t>22.06.2017</a:t>
             </a:fld>
             <a:endParaRPr lang="de-DE"/>
           </a:p>
@@ -6440,7 +6371,7 @@
           <a:p>
             <a:fld id="{0622BFF5-50AA-480C-8527-ECFB42F6D36D}" type="datetimeFigureOut">
               <a:rPr lang="de-DE" smtClean="0"/>
-              <a:t>21.06.2017</a:t>
+              <a:t>22.06.2017</a:t>
             </a:fld>
             <a:endParaRPr lang="de-DE"/>
           </a:p>
@@ -6751,7 +6682,7 @@
           <a:p>
             <a:fld id="{0622BFF5-50AA-480C-8527-ECFB42F6D36D}" type="datetimeFigureOut">
               <a:rPr lang="de-DE" smtClean="0"/>
-              <a:t>21.06.2017</a:t>
+              <a:t>22.06.2017</a:t>
             </a:fld>
             <a:endParaRPr lang="de-DE"/>
           </a:p>
@@ -7039,7 +6970,7 @@
           <a:p>
             <a:fld id="{0622BFF5-50AA-480C-8527-ECFB42F6D36D}" type="datetimeFigureOut">
               <a:rPr lang="de-DE" smtClean="0"/>
-              <a:t>21.06.2017</a:t>
+              <a:t>22.06.2017</a:t>
             </a:fld>
             <a:endParaRPr lang="de-DE"/>
           </a:p>
@@ -7280,7 +7211,7 @@
           <a:p>
             <a:fld id="{0622BFF5-50AA-480C-8527-ECFB42F6D36D}" type="datetimeFigureOut">
               <a:rPr lang="de-DE" smtClean="0"/>
-              <a:t>21.06.2017</a:t>
+              <a:t>22.06.2017</a:t>
             </a:fld>
             <a:endParaRPr lang="de-DE"/>
           </a:p>
@@ -7713,14 +7644,33 @@
             <p:ph type="ctrTitle"/>
           </p:nvPr>
         </p:nvSpPr>
-        <p:spPr/>
+        <p:spPr>
+          <a:xfrm>
+            <a:off x="1524000" y="1069355"/>
+            <a:ext cx="9144000" cy="2387600"/>
+          </a:xfrm>
+        </p:spPr>
         <p:txBody>
-          <a:bodyPr/>
+          <a:bodyPr>
+            <a:normAutofit/>
+          </a:bodyPr>
           <a:lstStyle/>
           <a:p>
             <a:r>
-              <a:rPr lang="de-DE" dirty="0"/>
-              <a:t>Schriftartenerkennung mit CNN</a:t>
+              <a:rPr lang="de-DE" dirty="0" err="1"/>
+              <a:t>Fontstyle</a:t>
+            </a:r>
+            <a:r>
+              <a:rPr lang="de-DE" dirty="0"/>
+              <a:t> </a:t>
+            </a:r>
+            <a:r>
+              <a:rPr lang="de-DE" dirty="0" err="1"/>
+              <a:t>detection</a:t>
+            </a:r>
+            <a:r>
+              <a:rPr lang="de-DE" dirty="0"/>
+              <a:t> on CNNs</a:t>
             </a:r>
           </a:p>
         </p:txBody>
@@ -7806,15 +7756,15 @@
           <a:p>
             <a:r>
               <a:rPr lang="de-DE" dirty="0"/>
-              <a:t>Model 6 – </a:t>
-            </a:r>
-            <a:r>
-              <a:rPr lang="de-DE" dirty="0" err="1"/>
-              <a:t>Less</a:t>
-            </a:r>
-            <a:r>
-              <a:rPr lang="de-DE" dirty="0"/>
-              <a:t> Filters</a:t>
+              <a:t>Model 5 – Extra </a:t>
+            </a:r>
+            <a:r>
+              <a:rPr lang="de-DE" dirty="0" err="1"/>
+              <a:t>Dense</a:t>
+            </a:r>
+            <a:r>
+              <a:rPr lang="de-DE" dirty="0"/>
+              <a:t> Layer</a:t>
             </a:r>
           </a:p>
         </p:txBody>
@@ -7834,7 +7784,7 @@
         <p:spPr>
           <a:xfrm>
             <a:off x="838200" y="1842868"/>
-            <a:ext cx="9600028" cy="4247317"/>
+            <a:ext cx="9600028" cy="4524315"/>
           </a:xfrm>
           <a:prstGeom prst="rect">
             <a:avLst/>
@@ -7855,7 +7805,236 @@
             </a:r>
             <a:r>
               <a:rPr lang="de-DE" dirty="0"/>
-              <a:t>(Conv2D(</a:t>
+              <a:t>(Conv2D(8, </a:t>
+            </a:r>
+            <a:r>
+              <a:rPr lang="de-DE" dirty="0" err="1"/>
+              <a:t>kernel_size</a:t>
+            </a:r>
+            <a:r>
+              <a:rPr lang="de-DE" dirty="0"/>
+              <a:t>=(3, 3), </a:t>
+            </a:r>
+            <a:r>
+              <a:rPr lang="de-DE" dirty="0" err="1"/>
+              <a:t>activation</a:t>
+            </a:r>
+            <a:r>
+              <a:rPr lang="de-DE" dirty="0"/>
+              <a:t>='</a:t>
+            </a:r>
+            <a:r>
+              <a:rPr lang="de-DE" dirty="0" err="1"/>
+              <a:t>relu</a:t>
+            </a:r>
+            <a:r>
+              <a:rPr lang="de-DE" dirty="0"/>
+              <a:t>‘,  </a:t>
+            </a:r>
+            <a:r>
+              <a:rPr lang="de-DE" dirty="0" err="1"/>
+              <a:t>input_shape</a:t>
+            </a:r>
+            <a:r>
+              <a:rPr lang="de-DE" dirty="0"/>
+              <a:t>=(40,1200,3)))</a:t>
+            </a:r>
+          </a:p>
+          <a:p>
+            <a:r>
+              <a:rPr lang="de-DE" dirty="0" err="1"/>
+              <a:t>model.add</a:t>
+            </a:r>
+            <a:r>
+              <a:rPr lang="de-DE" dirty="0"/>
+              <a:t>(MaxPooling2D(</a:t>
+            </a:r>
+            <a:r>
+              <a:rPr lang="de-DE" dirty="0" err="1"/>
+              <a:t>pool_size</a:t>
+            </a:r>
+            <a:r>
+              <a:rPr lang="de-DE" dirty="0"/>
+              <a:t>=(2, 2)))</a:t>
+            </a:r>
+          </a:p>
+          <a:p>
+            <a:r>
+              <a:rPr lang="de-DE" dirty="0" err="1"/>
+              <a:t>model.add</a:t>
+            </a:r>
+            <a:r>
+              <a:rPr lang="de-DE" dirty="0"/>
+              <a:t>(Conv2D(16, </a:t>
+            </a:r>
+            <a:r>
+              <a:rPr lang="de-DE" dirty="0" err="1"/>
+              <a:t>kernel_size</a:t>
+            </a:r>
+            <a:r>
+              <a:rPr lang="de-DE" dirty="0"/>
+              <a:t>=(3, 3), </a:t>
+            </a:r>
+            <a:r>
+              <a:rPr lang="de-DE" dirty="0" err="1"/>
+              <a:t>activation</a:t>
+            </a:r>
+            <a:r>
+              <a:rPr lang="de-DE" dirty="0"/>
+              <a:t>='</a:t>
+            </a:r>
+            <a:r>
+              <a:rPr lang="de-DE" dirty="0" err="1"/>
+              <a:t>relu</a:t>
+            </a:r>
+            <a:r>
+              <a:rPr lang="de-DE" dirty="0"/>
+              <a:t>'))</a:t>
+            </a:r>
+          </a:p>
+          <a:p>
+            <a:r>
+              <a:rPr lang="de-DE" dirty="0" err="1"/>
+              <a:t>model.add</a:t>
+            </a:r>
+            <a:r>
+              <a:rPr lang="de-DE" dirty="0"/>
+              <a:t>(MaxPooling2D(</a:t>
+            </a:r>
+            <a:r>
+              <a:rPr lang="de-DE" dirty="0" err="1"/>
+              <a:t>pool_size</a:t>
+            </a:r>
+            <a:r>
+              <a:rPr lang="de-DE" dirty="0"/>
+              <a:t>=(2, 2)))</a:t>
+            </a:r>
+          </a:p>
+          <a:p>
+            <a:r>
+              <a:rPr lang="de-DE" dirty="0" err="1"/>
+              <a:t>model.add</a:t>
+            </a:r>
+            <a:r>
+              <a:rPr lang="de-DE" dirty="0"/>
+              <a:t>(Conv2D(24, </a:t>
+            </a:r>
+            <a:r>
+              <a:rPr lang="de-DE" dirty="0" err="1"/>
+              <a:t>kernel_size</a:t>
+            </a:r>
+            <a:r>
+              <a:rPr lang="de-DE" dirty="0"/>
+              <a:t>=(3, 3), </a:t>
+            </a:r>
+            <a:r>
+              <a:rPr lang="de-DE" dirty="0" err="1"/>
+              <a:t>activation</a:t>
+            </a:r>
+            <a:r>
+              <a:rPr lang="de-DE" dirty="0"/>
+              <a:t>='</a:t>
+            </a:r>
+            <a:r>
+              <a:rPr lang="de-DE" dirty="0" err="1"/>
+              <a:t>sigmoid</a:t>
+            </a:r>
+            <a:r>
+              <a:rPr lang="de-DE" dirty="0"/>
+              <a:t>'))</a:t>
+            </a:r>
+          </a:p>
+          <a:p>
+            <a:r>
+              <a:rPr lang="de-DE" dirty="0" err="1"/>
+              <a:t>model.add</a:t>
+            </a:r>
+            <a:r>
+              <a:rPr lang="de-DE" dirty="0"/>
+              <a:t>(MaxPooling2D(</a:t>
+            </a:r>
+            <a:r>
+              <a:rPr lang="de-DE" dirty="0" err="1"/>
+              <a:t>pool_size</a:t>
+            </a:r>
+            <a:r>
+              <a:rPr lang="de-DE" dirty="0"/>
+              <a:t>=(2, 2)))</a:t>
+            </a:r>
+          </a:p>
+          <a:p>
+            <a:r>
+              <a:rPr lang="de-DE" dirty="0" err="1"/>
+              <a:t>model.add</a:t>
+            </a:r>
+            <a:r>
+              <a:rPr lang="de-DE" dirty="0"/>
+              <a:t>(Dropout(0.2))</a:t>
+            </a:r>
+          </a:p>
+          <a:p>
+            <a:endParaRPr lang="de-DE" dirty="0"/>
+          </a:p>
+          <a:p>
+            <a:r>
+              <a:rPr lang="de-DE" dirty="0" err="1"/>
+              <a:t>model.add</a:t>
+            </a:r>
+            <a:r>
+              <a:rPr lang="de-DE" dirty="0"/>
+              <a:t>(</a:t>
+            </a:r>
+            <a:r>
+              <a:rPr lang="de-DE" dirty="0" err="1"/>
+              <a:t>Flatten</a:t>
+            </a:r>
+            <a:r>
+              <a:rPr lang="de-DE" dirty="0"/>
+              <a:t>())</a:t>
+            </a:r>
+          </a:p>
+          <a:p>
+            <a:r>
+              <a:rPr lang="de-DE" dirty="0" err="1"/>
+              <a:t>model.add</a:t>
+            </a:r>
+            <a:r>
+              <a:rPr lang="de-DE" dirty="0"/>
+              <a:t>(</a:t>
+            </a:r>
+            <a:r>
+              <a:rPr lang="de-DE" dirty="0" err="1"/>
+              <a:t>Dense</a:t>
+            </a:r>
+            <a:r>
+              <a:rPr lang="de-DE" dirty="0"/>
+              <a:t>(256, </a:t>
+            </a:r>
+            <a:r>
+              <a:rPr lang="de-DE" dirty="0" err="1"/>
+              <a:t>activation</a:t>
+            </a:r>
+            <a:r>
+              <a:rPr lang="de-DE" dirty="0"/>
+              <a:t>='</a:t>
+            </a:r>
+            <a:r>
+              <a:rPr lang="de-DE" dirty="0" err="1"/>
+              <a:t>relu</a:t>
+            </a:r>
+            <a:r>
+              <a:rPr lang="de-DE" dirty="0"/>
+              <a:t>‘))</a:t>
+            </a:r>
+          </a:p>
+          <a:p>
+            <a:r>
+              <a:rPr lang="de-DE" dirty="0" err="1">
+                <a:solidFill>
+                  <a:schemeClr val="accent6"/>
+                </a:solidFill>
+              </a:rPr>
+              <a:t>model.add</a:t>
             </a:r>
             <a:r>
               <a:rPr lang="de-DE" dirty="0">
@@ -7863,71 +8042,15 @@
                   <a:schemeClr val="accent6"/>
                 </a:solidFill>
               </a:rPr>
-              <a:t>4</a:t>
-            </a:r>
-            <a:r>
-              <a:rPr lang="de-DE" dirty="0"/>
-              <a:t>, </a:t>
-            </a:r>
-            <a:r>
-              <a:rPr lang="de-DE" dirty="0" err="1"/>
-              <a:t>kernel_size</a:t>
-            </a:r>
-            <a:r>
-              <a:rPr lang="de-DE" dirty="0"/>
-              <a:t>=(3, 3), </a:t>
-            </a:r>
-            <a:r>
-              <a:rPr lang="de-DE" dirty="0" err="1"/>
-              <a:t>activation</a:t>
-            </a:r>
-            <a:r>
-              <a:rPr lang="de-DE" dirty="0"/>
-              <a:t>='</a:t>
-            </a:r>
-            <a:r>
-              <a:rPr lang="de-DE" dirty="0" err="1"/>
-              <a:t>relu</a:t>
-            </a:r>
-            <a:r>
-              <a:rPr lang="de-DE" dirty="0"/>
-              <a:t>‘,  </a:t>
-            </a:r>
-            <a:r>
-              <a:rPr lang="de-DE" dirty="0" err="1"/>
-              <a:t>input_shape</a:t>
-            </a:r>
-            <a:r>
-              <a:rPr lang="de-DE" dirty="0"/>
-              <a:t>=(40,1200,3)))</a:t>
-            </a:r>
-          </a:p>
-          <a:p>
-            <a:r>
-              <a:rPr lang="de-DE" dirty="0" err="1"/>
-              <a:t>model.add</a:t>
-            </a:r>
-            <a:r>
-              <a:rPr lang="de-DE" dirty="0"/>
-              <a:t>(MaxPooling2D(</a:t>
-            </a:r>
-            <a:r>
-              <a:rPr lang="de-DE" dirty="0" err="1"/>
-              <a:t>pool_size</a:t>
-            </a:r>
-            <a:r>
-              <a:rPr lang="de-DE" dirty="0"/>
-              <a:t>=(2, 2)))</a:t>
-            </a:r>
-          </a:p>
-          <a:p>
-            <a:r>
-              <a:rPr lang="de-DE" dirty="0" err="1"/>
-              <a:t>model.add</a:t>
-            </a:r>
-            <a:r>
-              <a:rPr lang="de-DE" dirty="0"/>
-              <a:t>(Conv2D(</a:t>
+              <a:t>(</a:t>
+            </a:r>
+            <a:r>
+              <a:rPr lang="de-DE" dirty="0" err="1">
+                <a:solidFill>
+                  <a:schemeClr val="accent6"/>
+                </a:solidFill>
+              </a:rPr>
+              <a:t>Dense</a:t>
             </a:r>
             <a:r>
               <a:rPr lang="de-DE" dirty="0">
@@ -7935,63 +8058,15 @@
                   <a:schemeClr val="accent6"/>
                 </a:solidFill>
               </a:rPr>
-              <a:t>8</a:t>
-            </a:r>
-            <a:r>
-              <a:rPr lang="de-DE" dirty="0"/>
-              <a:t>, </a:t>
-            </a:r>
-            <a:r>
-              <a:rPr lang="de-DE" dirty="0" err="1"/>
-              <a:t>kernel_size</a:t>
-            </a:r>
-            <a:r>
-              <a:rPr lang="de-DE" dirty="0"/>
-              <a:t>=(3, 3), </a:t>
-            </a:r>
-            <a:r>
-              <a:rPr lang="de-DE" dirty="0" err="1"/>
+              <a:t>(256, </a:t>
+            </a:r>
+            <a:r>
+              <a:rPr lang="de-DE" dirty="0" err="1">
+                <a:solidFill>
+                  <a:schemeClr val="accent6"/>
+                </a:solidFill>
+              </a:rPr>
               <a:t>activation</a:t>
-            </a:r>
-            <a:r>
-              <a:rPr lang="de-DE" dirty="0"/>
-              <a:t>='</a:t>
-            </a:r>
-            <a:r>
-              <a:rPr lang="de-DE" dirty="0" err="1"/>
-              <a:t>relu</a:t>
-            </a:r>
-            <a:r>
-              <a:rPr lang="de-DE" dirty="0"/>
-              <a:t>'))</a:t>
-            </a:r>
-          </a:p>
-          <a:p>
-            <a:r>
-              <a:rPr lang="de-DE" dirty="0" err="1"/>
-              <a:t>model.add</a:t>
-            </a:r>
-            <a:r>
-              <a:rPr lang="de-DE" dirty="0"/>
-              <a:t>(MaxPooling2D(</a:t>
-            </a:r>
-            <a:r>
-              <a:rPr lang="de-DE" dirty="0" err="1"/>
-              <a:t>pool_size</a:t>
-            </a:r>
-            <a:r>
-              <a:rPr lang="de-DE" dirty="0"/>
-              <a:t>=(2, 2)))</a:t>
-            </a:r>
-          </a:p>
-          <a:p>
-            <a:r>
-              <a:rPr lang="de-DE" dirty="0" err="1"/>
-              <a:t>model.add</a:t>
-            </a:r>
-            <a:r>
-              <a:rPr lang="de-DE" dirty="0"/>
-              <a:t>(Conv2D(</a:t>
             </a:r>
             <a:r>
               <a:rPr lang="de-DE" dirty="0">
@@ -7999,117 +8074,22 @@
                   <a:schemeClr val="accent6"/>
                 </a:solidFill>
               </a:rPr>
-              <a:t>16</a:t>
-            </a:r>
-            <a:r>
-              <a:rPr lang="de-DE" dirty="0"/>
-              <a:t>, </a:t>
-            </a:r>
-            <a:r>
-              <a:rPr lang="de-DE" dirty="0" err="1"/>
-              <a:t>kernel_size</a:t>
-            </a:r>
-            <a:r>
-              <a:rPr lang="de-DE" dirty="0"/>
-              <a:t>=(3, 3), </a:t>
-            </a:r>
-            <a:r>
-              <a:rPr lang="de-DE" dirty="0" err="1"/>
-              <a:t>activation</a:t>
-            </a:r>
-            <a:r>
-              <a:rPr lang="de-DE" dirty="0"/>
               <a:t>='</a:t>
             </a:r>
             <a:r>
-              <a:rPr lang="de-DE" dirty="0" err="1"/>
-              <a:t>sigmoid</a:t>
-            </a:r>
-            <a:r>
-              <a:rPr lang="de-DE" dirty="0"/>
-              <a:t>'))</a:t>
-            </a:r>
-          </a:p>
-          <a:p>
-            <a:r>
-              <a:rPr lang="de-DE" dirty="0" err="1"/>
-              <a:t>model.add</a:t>
-            </a:r>
-            <a:r>
-              <a:rPr lang="de-DE" dirty="0"/>
-              <a:t>(MaxPooling2D(</a:t>
-            </a:r>
-            <a:r>
-              <a:rPr lang="de-DE" dirty="0" err="1"/>
-              <a:t>pool_size</a:t>
-            </a:r>
-            <a:r>
-              <a:rPr lang="de-DE" dirty="0"/>
-              <a:t>=(2, 2)))</a:t>
-            </a:r>
-          </a:p>
-          <a:p>
-            <a:r>
-              <a:rPr lang="de-DE" dirty="0" err="1"/>
-              <a:t>model.add</a:t>
-            </a:r>
-            <a:r>
-              <a:rPr lang="de-DE" dirty="0"/>
-              <a:t>(Dropout(0.2))</a:t>
-            </a:r>
-          </a:p>
-          <a:p>
-            <a:endParaRPr lang="de-DE" dirty="0"/>
-          </a:p>
-          <a:p>
-            <a:r>
-              <a:rPr lang="de-DE" dirty="0" err="1"/>
-              <a:t>model.add</a:t>
-            </a:r>
-            <a:r>
-              <a:rPr lang="de-DE" dirty="0"/>
-              <a:t>(</a:t>
-            </a:r>
-            <a:r>
-              <a:rPr lang="de-DE" dirty="0" err="1"/>
-              <a:t>Flatten</a:t>
-            </a:r>
-            <a:r>
-              <a:rPr lang="de-DE" dirty="0"/>
-              <a:t>())</a:t>
-            </a:r>
-          </a:p>
-          <a:p>
-            <a:r>
-              <a:rPr lang="de-DE" dirty="0" err="1"/>
-              <a:t>model.add</a:t>
-            </a:r>
-            <a:r>
-              <a:rPr lang="de-DE" dirty="0"/>
-              <a:t>(</a:t>
-            </a:r>
-            <a:r>
-              <a:rPr lang="de-DE" dirty="0" err="1"/>
-              <a:t>Dense</a:t>
-            </a:r>
-            <a:r>
-              <a:rPr lang="de-DE" dirty="0"/>
-              <a:t>(256, </a:t>
-            </a:r>
-            <a:r>
-              <a:rPr lang="de-DE" dirty="0" err="1"/>
-              <a:t>activation</a:t>
-            </a:r>
-            <a:r>
-              <a:rPr lang="de-DE" dirty="0"/>
-              <a:t>='</a:t>
-            </a:r>
-            <a:r>
-              <a:rPr lang="de-DE" dirty="0" err="1"/>
+              <a:rPr lang="de-DE" dirty="0" err="1">
+                <a:solidFill>
+                  <a:schemeClr val="accent6"/>
+                </a:solidFill>
+              </a:rPr>
               <a:t>relu</a:t>
             </a:r>
             <a:r>
-              <a:rPr lang="de-DE" dirty="0"/>
+              <a:rPr lang="de-DE" dirty="0">
+                <a:solidFill>
+                  <a:schemeClr val="accent6"/>
+                </a:solidFill>
+              </a:rPr>
               <a:t>'))</a:t>
             </a:r>
           </a:p>
@@ -8239,7 +8219,7 @@
     </p:spTree>
     <p:extLst>
       <p:ext uri="{BB962C8B-B14F-4D97-AF65-F5344CB8AC3E}">
-        <p14:creationId xmlns:p14="http://schemas.microsoft.com/office/powerpoint/2010/main" val="2081858740"/>
+        <p14:creationId xmlns:p14="http://schemas.microsoft.com/office/powerpoint/2010/main" val="1349546473"/>
       </p:ext>
     </p:extLst>
   </p:cSld>
@@ -8289,7 +8269,502 @@
           <a:p>
             <a:r>
               <a:rPr lang="de-DE" dirty="0"/>
-              <a:t>Schriftartenerkennung mit CNN</a:t>
+              <a:t>Model 6 – </a:t>
+            </a:r>
+            <a:r>
+              <a:rPr lang="de-DE" dirty="0" err="1"/>
+              <a:t>Less</a:t>
+            </a:r>
+            <a:r>
+              <a:rPr lang="de-DE" dirty="0"/>
+              <a:t> Filters</a:t>
+            </a:r>
+          </a:p>
+        </p:txBody>
+      </p:sp>
+      <p:sp>
+        <p:nvSpPr>
+          <p:cNvPr id="9" name="Rechteck 8">
+            <a:extLst>
+              <a:ext uri="{FF2B5EF4-FFF2-40B4-BE49-F238E27FC236}">
+                <a16:creationId xmlns:a16="http://schemas.microsoft.com/office/drawing/2014/main" id="{A57E0623-1C8B-4CB4-B80B-FA59C08B90A3}"/>
+              </a:ext>
+            </a:extLst>
+          </p:cNvPr>
+          <p:cNvSpPr/>
+          <p:nvPr/>
+        </p:nvSpPr>
+        <p:spPr>
+          <a:xfrm>
+            <a:off x="838200" y="1842868"/>
+            <a:ext cx="9600028" cy="4247317"/>
+          </a:xfrm>
+          <a:prstGeom prst="rect">
+            <a:avLst/>
+          </a:prstGeom>
+        </p:spPr>
+        <p:txBody>
+          <a:bodyPr wrap="square">
+            <a:spAutoFit/>
+          </a:bodyPr>
+          <a:lstStyle/>
+          <a:p>
+            <a:endParaRPr lang="de-DE" dirty="0"/>
+          </a:p>
+          <a:p>
+            <a:r>
+              <a:rPr lang="de-DE" dirty="0" err="1"/>
+              <a:t>model.add</a:t>
+            </a:r>
+            <a:r>
+              <a:rPr lang="de-DE" dirty="0"/>
+              <a:t>(Conv2D(</a:t>
+            </a:r>
+            <a:r>
+              <a:rPr lang="de-DE" dirty="0">
+                <a:solidFill>
+                  <a:schemeClr val="accent6"/>
+                </a:solidFill>
+              </a:rPr>
+              <a:t>4</a:t>
+            </a:r>
+            <a:r>
+              <a:rPr lang="de-DE" dirty="0"/>
+              <a:t>, </a:t>
+            </a:r>
+            <a:r>
+              <a:rPr lang="de-DE" dirty="0" err="1"/>
+              <a:t>kernel_size</a:t>
+            </a:r>
+            <a:r>
+              <a:rPr lang="de-DE" dirty="0"/>
+              <a:t>=(3, 3), </a:t>
+            </a:r>
+            <a:r>
+              <a:rPr lang="de-DE" dirty="0" err="1"/>
+              <a:t>activation</a:t>
+            </a:r>
+            <a:r>
+              <a:rPr lang="de-DE" dirty="0"/>
+              <a:t>='</a:t>
+            </a:r>
+            <a:r>
+              <a:rPr lang="de-DE" dirty="0" err="1"/>
+              <a:t>relu</a:t>
+            </a:r>
+            <a:r>
+              <a:rPr lang="de-DE" dirty="0"/>
+              <a:t>‘,  </a:t>
+            </a:r>
+            <a:r>
+              <a:rPr lang="de-DE" dirty="0" err="1"/>
+              <a:t>input_shape</a:t>
+            </a:r>
+            <a:r>
+              <a:rPr lang="de-DE" dirty="0"/>
+              <a:t>=(40,1200,3)))</a:t>
+            </a:r>
+          </a:p>
+          <a:p>
+            <a:r>
+              <a:rPr lang="de-DE" dirty="0" err="1"/>
+              <a:t>model.add</a:t>
+            </a:r>
+            <a:r>
+              <a:rPr lang="de-DE" dirty="0"/>
+              <a:t>(MaxPooling2D(</a:t>
+            </a:r>
+            <a:r>
+              <a:rPr lang="de-DE" dirty="0" err="1"/>
+              <a:t>pool_size</a:t>
+            </a:r>
+            <a:r>
+              <a:rPr lang="de-DE" dirty="0"/>
+              <a:t>=(2, 2)))</a:t>
+            </a:r>
+          </a:p>
+          <a:p>
+            <a:r>
+              <a:rPr lang="de-DE" dirty="0" err="1"/>
+              <a:t>model.add</a:t>
+            </a:r>
+            <a:r>
+              <a:rPr lang="de-DE" dirty="0"/>
+              <a:t>(Conv2D(</a:t>
+            </a:r>
+            <a:r>
+              <a:rPr lang="de-DE" dirty="0">
+                <a:solidFill>
+                  <a:schemeClr val="accent6"/>
+                </a:solidFill>
+              </a:rPr>
+              <a:t>8</a:t>
+            </a:r>
+            <a:r>
+              <a:rPr lang="de-DE" dirty="0"/>
+              <a:t>, </a:t>
+            </a:r>
+            <a:r>
+              <a:rPr lang="de-DE" dirty="0" err="1"/>
+              <a:t>kernel_size</a:t>
+            </a:r>
+            <a:r>
+              <a:rPr lang="de-DE" dirty="0"/>
+              <a:t>=(3, 3), </a:t>
+            </a:r>
+            <a:r>
+              <a:rPr lang="de-DE" dirty="0" err="1"/>
+              <a:t>activation</a:t>
+            </a:r>
+            <a:r>
+              <a:rPr lang="de-DE" dirty="0"/>
+              <a:t>='</a:t>
+            </a:r>
+            <a:r>
+              <a:rPr lang="de-DE" dirty="0" err="1"/>
+              <a:t>relu</a:t>
+            </a:r>
+            <a:r>
+              <a:rPr lang="de-DE" dirty="0"/>
+              <a:t>'))</a:t>
+            </a:r>
+          </a:p>
+          <a:p>
+            <a:r>
+              <a:rPr lang="de-DE" dirty="0" err="1"/>
+              <a:t>model.add</a:t>
+            </a:r>
+            <a:r>
+              <a:rPr lang="de-DE" dirty="0"/>
+              <a:t>(MaxPooling2D(</a:t>
+            </a:r>
+            <a:r>
+              <a:rPr lang="de-DE" dirty="0" err="1"/>
+              <a:t>pool_size</a:t>
+            </a:r>
+            <a:r>
+              <a:rPr lang="de-DE" dirty="0"/>
+              <a:t>=(2, 2)))</a:t>
+            </a:r>
+          </a:p>
+          <a:p>
+            <a:r>
+              <a:rPr lang="de-DE" dirty="0" err="1"/>
+              <a:t>model.add</a:t>
+            </a:r>
+            <a:r>
+              <a:rPr lang="de-DE" dirty="0"/>
+              <a:t>(Conv2D(</a:t>
+            </a:r>
+            <a:r>
+              <a:rPr lang="de-DE" dirty="0">
+                <a:solidFill>
+                  <a:schemeClr val="accent6"/>
+                </a:solidFill>
+              </a:rPr>
+              <a:t>16</a:t>
+            </a:r>
+            <a:r>
+              <a:rPr lang="de-DE" dirty="0"/>
+              <a:t>, </a:t>
+            </a:r>
+            <a:r>
+              <a:rPr lang="de-DE" dirty="0" err="1"/>
+              <a:t>kernel_size</a:t>
+            </a:r>
+            <a:r>
+              <a:rPr lang="de-DE" dirty="0"/>
+              <a:t>=(3, 3), </a:t>
+            </a:r>
+            <a:r>
+              <a:rPr lang="de-DE" dirty="0" err="1"/>
+              <a:t>activation</a:t>
+            </a:r>
+            <a:r>
+              <a:rPr lang="de-DE" dirty="0"/>
+              <a:t>='</a:t>
+            </a:r>
+            <a:r>
+              <a:rPr lang="de-DE" dirty="0" err="1"/>
+              <a:t>sigmoid</a:t>
+            </a:r>
+            <a:r>
+              <a:rPr lang="de-DE" dirty="0"/>
+              <a:t>'))</a:t>
+            </a:r>
+          </a:p>
+          <a:p>
+            <a:r>
+              <a:rPr lang="de-DE" dirty="0" err="1"/>
+              <a:t>model.add</a:t>
+            </a:r>
+            <a:r>
+              <a:rPr lang="de-DE" dirty="0"/>
+              <a:t>(MaxPooling2D(</a:t>
+            </a:r>
+            <a:r>
+              <a:rPr lang="de-DE" dirty="0" err="1"/>
+              <a:t>pool_size</a:t>
+            </a:r>
+            <a:r>
+              <a:rPr lang="de-DE" dirty="0"/>
+              <a:t>=(2, 2)))</a:t>
+            </a:r>
+          </a:p>
+          <a:p>
+            <a:r>
+              <a:rPr lang="de-DE" dirty="0" err="1"/>
+              <a:t>model.add</a:t>
+            </a:r>
+            <a:r>
+              <a:rPr lang="de-DE" dirty="0"/>
+              <a:t>(Dropout(0.2))</a:t>
+            </a:r>
+          </a:p>
+          <a:p>
+            <a:endParaRPr lang="de-DE" dirty="0"/>
+          </a:p>
+          <a:p>
+            <a:r>
+              <a:rPr lang="de-DE" dirty="0" err="1"/>
+              <a:t>model.add</a:t>
+            </a:r>
+            <a:r>
+              <a:rPr lang="de-DE" dirty="0"/>
+              <a:t>(</a:t>
+            </a:r>
+            <a:r>
+              <a:rPr lang="de-DE" dirty="0" err="1"/>
+              <a:t>Flatten</a:t>
+            </a:r>
+            <a:r>
+              <a:rPr lang="de-DE" dirty="0"/>
+              <a:t>())</a:t>
+            </a:r>
+          </a:p>
+          <a:p>
+            <a:r>
+              <a:rPr lang="de-DE" dirty="0" err="1"/>
+              <a:t>model.add</a:t>
+            </a:r>
+            <a:r>
+              <a:rPr lang="de-DE" dirty="0"/>
+              <a:t>(</a:t>
+            </a:r>
+            <a:r>
+              <a:rPr lang="de-DE" dirty="0" err="1"/>
+              <a:t>Dense</a:t>
+            </a:r>
+            <a:r>
+              <a:rPr lang="de-DE" dirty="0"/>
+              <a:t>(256, </a:t>
+            </a:r>
+            <a:r>
+              <a:rPr lang="de-DE" dirty="0" err="1"/>
+              <a:t>activation</a:t>
+            </a:r>
+            <a:r>
+              <a:rPr lang="de-DE" dirty="0"/>
+              <a:t>='</a:t>
+            </a:r>
+            <a:r>
+              <a:rPr lang="de-DE" dirty="0" err="1"/>
+              <a:t>relu</a:t>
+            </a:r>
+            <a:r>
+              <a:rPr lang="de-DE" dirty="0"/>
+              <a:t>'))</a:t>
+            </a:r>
+          </a:p>
+          <a:p>
+            <a:r>
+              <a:rPr lang="de-DE" dirty="0" err="1"/>
+              <a:t>model.add</a:t>
+            </a:r>
+            <a:r>
+              <a:rPr lang="de-DE" dirty="0"/>
+              <a:t>(Dropout(0.4))</a:t>
+            </a:r>
+          </a:p>
+          <a:p>
+            <a:r>
+              <a:rPr lang="de-DE" dirty="0" err="1"/>
+              <a:t>model.add</a:t>
+            </a:r>
+            <a:r>
+              <a:rPr lang="de-DE" dirty="0"/>
+              <a:t>(</a:t>
+            </a:r>
+            <a:r>
+              <a:rPr lang="de-DE" dirty="0" err="1"/>
+              <a:t>Dense</a:t>
+            </a:r>
+            <a:r>
+              <a:rPr lang="de-DE" dirty="0"/>
+              <a:t>(</a:t>
+            </a:r>
+            <a:r>
+              <a:rPr lang="de-DE" dirty="0" err="1"/>
+              <a:t>len</a:t>
+            </a:r>
+            <a:r>
+              <a:rPr lang="de-DE" dirty="0"/>
+              <a:t>(</a:t>
+            </a:r>
+            <a:r>
+              <a:rPr lang="de-DE" dirty="0" err="1"/>
+              <a:t>classes</a:t>
+            </a:r>
+            <a:r>
+              <a:rPr lang="de-DE" dirty="0"/>
+              <a:t>), </a:t>
+            </a:r>
+            <a:r>
+              <a:rPr lang="de-DE" dirty="0" err="1"/>
+              <a:t>activation</a:t>
+            </a:r>
+            <a:r>
+              <a:rPr lang="de-DE" dirty="0"/>
+              <a:t>='</a:t>
+            </a:r>
+            <a:r>
+              <a:rPr lang="de-DE" dirty="0" err="1"/>
+              <a:t>softmax</a:t>
+            </a:r>
+            <a:r>
+              <a:rPr lang="de-DE" dirty="0"/>
+              <a:t>'))</a:t>
+            </a:r>
+          </a:p>
+          <a:p>
+            <a:endParaRPr lang="de-DE" dirty="0"/>
+          </a:p>
+          <a:p>
+            <a:r>
+              <a:rPr lang="de-DE" dirty="0" err="1"/>
+              <a:t>model.compile</a:t>
+            </a:r>
+            <a:r>
+              <a:rPr lang="de-DE" dirty="0"/>
+              <a:t>(</a:t>
+            </a:r>
+            <a:r>
+              <a:rPr lang="de-DE" dirty="0" err="1"/>
+              <a:t>loss</a:t>
+            </a:r>
+            <a:r>
+              <a:rPr lang="de-DE" dirty="0"/>
+              <a:t>=</a:t>
+            </a:r>
+            <a:r>
+              <a:rPr lang="de-DE" dirty="0" err="1"/>
+              <a:t>keras.losses.mean_squared_error</a:t>
+            </a:r>
+            <a:r>
+              <a:rPr lang="de-DE" dirty="0"/>
+              <a:t>, </a:t>
+            </a:r>
+            <a:r>
+              <a:rPr lang="de-DE" dirty="0" err="1"/>
+              <a:t>optimizer</a:t>
+            </a:r>
+            <a:r>
+              <a:rPr lang="de-DE" dirty="0"/>
+              <a:t>="</a:t>
+            </a:r>
+            <a:r>
+              <a:rPr lang="de-DE" dirty="0" err="1"/>
+              <a:t>rmsprop</a:t>
+            </a:r>
+            <a:r>
+              <a:rPr lang="de-DE" dirty="0"/>
+              <a:t>", </a:t>
+            </a:r>
+            <a:r>
+              <a:rPr lang="de-DE" dirty="0" err="1"/>
+              <a:t>metrics</a:t>
+            </a:r>
+            <a:r>
+              <a:rPr lang="de-DE" dirty="0"/>
+              <a:t>=['</a:t>
+            </a:r>
+            <a:r>
+              <a:rPr lang="de-DE" dirty="0" err="1"/>
+              <a:t>accuracy</a:t>
+            </a:r>
+            <a:r>
+              <a:rPr lang="de-DE" dirty="0"/>
+              <a:t>'])</a:t>
+            </a:r>
+          </a:p>
+        </p:txBody>
+      </p:sp>
+    </p:spTree>
+    <p:extLst>
+      <p:ext uri="{BB962C8B-B14F-4D97-AF65-F5344CB8AC3E}">
+        <p14:creationId xmlns:p14="http://schemas.microsoft.com/office/powerpoint/2010/main" val="2081858740"/>
+      </p:ext>
+    </p:extLst>
+  </p:cSld>
+  <p:clrMapOvr>
+    <a:masterClrMapping/>
+  </p:clrMapOvr>
+</p:sld>
+</file>
+
+<file path=ppt/slides/slide12.xml><?xml version="1.0" encoding="utf-8"?>
+<p:sld xmlns:a="http://schemas.openxmlformats.org/drawingml/2006/main" xmlns:r="http://schemas.openxmlformats.org/officeDocument/2006/relationships" xmlns:p="http://schemas.openxmlformats.org/presentationml/2006/main">
+  <p:cSld>
+    <p:spTree>
+      <p:nvGrpSpPr>
+        <p:cNvPr id="1" name=""/>
+        <p:cNvGrpSpPr/>
+        <p:nvPr/>
+      </p:nvGrpSpPr>
+      <p:grpSpPr>
+        <a:xfrm>
+          <a:off x="0" y="0"/>
+          <a:ext cx="0" cy="0"/>
+          <a:chOff x="0" y="0"/>
+          <a:chExt cx="0" cy="0"/>
+        </a:xfrm>
+      </p:grpSpPr>
+      <p:sp>
+        <p:nvSpPr>
+          <p:cNvPr id="2" name="Titel 1">
+            <a:extLst>
+              <a:ext uri="{FF2B5EF4-FFF2-40B4-BE49-F238E27FC236}">
+                <a16:creationId xmlns:a16="http://schemas.microsoft.com/office/drawing/2014/main" id="{8B115740-2CA1-452B-A7EB-A7BA47364A47}"/>
+              </a:ext>
+            </a:extLst>
+          </p:cNvPr>
+          <p:cNvSpPr>
+            <a:spLocks noGrp="1"/>
+          </p:cNvSpPr>
+          <p:nvPr>
+            <p:ph type="title"/>
+          </p:nvPr>
+        </p:nvSpPr>
+        <p:spPr/>
+        <p:txBody>
+          <a:bodyPr/>
+          <a:lstStyle/>
+          <a:p>
+            <a:r>
+              <a:rPr lang="de-DE" dirty="0" err="1"/>
+              <a:t>Fontstyle</a:t>
+            </a:r>
+            <a:r>
+              <a:rPr lang="de-DE" dirty="0"/>
+              <a:t> </a:t>
+            </a:r>
+            <a:r>
+              <a:rPr lang="de-DE" dirty="0" err="1"/>
+              <a:t>detection</a:t>
+            </a:r>
+            <a:r>
+              <a:rPr lang="de-DE" dirty="0"/>
+              <a:t> on CNNs</a:t>
             </a:r>
           </a:p>
         </p:txBody>
@@ -8449,7 +8924,7 @@
 </p:sld>
 </file>
 
-<file path=ppt/slides/slide12.xml><?xml version="1.0" encoding="utf-8"?>
+<file path=ppt/slides/slide13.xml><?xml version="1.0" encoding="utf-8"?>
 <p:sld xmlns:a="http://schemas.openxmlformats.org/drawingml/2006/main" xmlns:r="http://schemas.openxmlformats.org/officeDocument/2006/relationships" xmlns:p="http://schemas.openxmlformats.org/presentationml/2006/main">
   <p:cSld>
     <p:spTree>
@@ -8488,8 +8963,20 @@
           <a:lstStyle/>
           <a:p>
             <a:r>
-              <a:rPr lang="de-DE" dirty="0"/>
-              <a:t>Schriftartenerkennung mit CNN</a:t>
+              <a:rPr lang="de-DE" dirty="0" err="1"/>
+              <a:t>Fontstyle</a:t>
+            </a:r>
+            <a:r>
+              <a:rPr lang="de-DE" dirty="0"/>
+              <a:t> </a:t>
+            </a:r>
+            <a:r>
+              <a:rPr lang="de-DE" dirty="0" err="1"/>
+              <a:t>detection</a:t>
+            </a:r>
+            <a:r>
+              <a:rPr lang="de-DE" dirty="0"/>
+              <a:t> on CNNs</a:t>
             </a:r>
           </a:p>
         </p:txBody>
@@ -8649,7 +9136,7 @@
 </p:sld>
 </file>
 
-<file path=ppt/slides/slide13.xml><?xml version="1.0" encoding="utf-8"?>
+<file path=ppt/slides/slide14.xml><?xml version="1.0" encoding="utf-8"?>
 <p:sld xmlns:a="http://schemas.openxmlformats.org/drawingml/2006/main" xmlns:r="http://schemas.openxmlformats.org/officeDocument/2006/relationships" xmlns:p="http://schemas.openxmlformats.org/presentationml/2006/main">
   <p:cSld>
     <p:spTree>
@@ -8688,8 +9175,20 @@
           <a:lstStyle/>
           <a:p>
             <a:r>
-              <a:rPr lang="de-DE" dirty="0"/>
-              <a:t>Schriftartenerkennung mit CNN</a:t>
+              <a:rPr lang="de-DE" dirty="0" err="1"/>
+              <a:t>Fontstyle</a:t>
+            </a:r>
+            <a:r>
+              <a:rPr lang="de-DE" dirty="0"/>
+              <a:t> </a:t>
+            </a:r>
+            <a:r>
+              <a:rPr lang="de-DE" dirty="0" err="1"/>
+              <a:t>detection</a:t>
+            </a:r>
+            <a:r>
+              <a:rPr lang="de-DE" dirty="0"/>
+              <a:t> on CNNs</a:t>
             </a:r>
           </a:p>
         </p:txBody>
@@ -8919,7 +9418,7 @@
 </p:sld>
 </file>
 
-<file path=ppt/slides/slide14.xml><?xml version="1.0" encoding="utf-8"?>
+<file path=ppt/slides/slide15.xml><?xml version="1.0" encoding="utf-8"?>
 <p:sld xmlns:a="http://schemas.openxmlformats.org/drawingml/2006/main" xmlns:r="http://schemas.openxmlformats.org/officeDocument/2006/relationships" xmlns:p="http://schemas.openxmlformats.org/presentationml/2006/main">
   <p:cSld>
     <p:spTree>
@@ -8959,7 +9458,7 @@
           <a:p>
             <a:r>
               <a:rPr lang="de-DE" dirty="0"/>
-              <a:t>Schriftartenerkennung mit CNN</a:t>
+              <a:t>Review</a:t>
             </a:r>
           </a:p>
         </p:txBody>
@@ -8987,31 +9486,101 @@
           <a:p>
             <a:r>
               <a:rPr lang="de-DE" dirty="0"/>
-              <a:t>Nicht jedes Netz ist für jede Aufgabe geeignet</a:t>
-            </a:r>
-          </a:p>
-          <a:p>
-            <a:r>
-              <a:rPr lang="de-DE" dirty="0"/>
-              <a:t>Kleine Änderungen haben große Auswirkungen</a:t>
-            </a:r>
-          </a:p>
-          <a:p>
-            <a:r>
-              <a:rPr lang="de-DE" dirty="0"/>
-              <a:t>Manchmal ist der Zufall entscheidend</a:t>
-            </a:r>
-          </a:p>
-          <a:p>
-            <a:r>
-              <a:rPr lang="de-DE" dirty="0"/>
-              <a:t>Die Genauigkeit steigt schnell oder gar nicht</a:t>
-            </a:r>
-          </a:p>
-          <a:p>
-            <a:pPr marL="0" indent="0">
-              <a:buNone/>
-            </a:pPr>
+              <a:t>Not </a:t>
+            </a:r>
+            <a:r>
+              <a:rPr lang="de-DE" dirty="0" err="1"/>
+              <a:t>every</a:t>
+            </a:r>
+            <a:r>
+              <a:rPr lang="de-DE" dirty="0"/>
+              <a:t> CNN </a:t>
+            </a:r>
+            <a:r>
+              <a:rPr lang="de-DE" dirty="0" err="1"/>
+              <a:t>works</a:t>
+            </a:r>
+            <a:r>
+              <a:rPr lang="de-DE" dirty="0"/>
+              <a:t> </a:t>
+            </a:r>
+          </a:p>
+          <a:p>
+            <a:r>
+              <a:rPr lang="de-DE" dirty="0"/>
+              <a:t>Small </a:t>
+            </a:r>
+            <a:r>
+              <a:rPr lang="de-DE" dirty="0" err="1"/>
+              <a:t>changes</a:t>
+            </a:r>
+            <a:r>
+              <a:rPr lang="de-DE" dirty="0"/>
+              <a:t> </a:t>
+            </a:r>
+            <a:r>
+              <a:rPr lang="de-DE" dirty="0" err="1"/>
+              <a:t>could</a:t>
+            </a:r>
+            <a:r>
+              <a:rPr lang="de-DE" dirty="0"/>
+              <a:t> break </a:t>
+            </a:r>
+            <a:r>
+              <a:rPr lang="de-DE" dirty="0" err="1"/>
+              <a:t>the</a:t>
+            </a:r>
+            <a:r>
+              <a:rPr lang="de-DE" dirty="0"/>
+              <a:t> CNN</a:t>
+            </a:r>
+          </a:p>
+          <a:p>
+            <a:r>
+              <a:rPr lang="de-DE" dirty="0"/>
+              <a:t>Random </a:t>
+            </a:r>
+            <a:r>
+              <a:rPr lang="de-DE" dirty="0" err="1"/>
+              <a:t>does</a:t>
+            </a:r>
+            <a:r>
+              <a:rPr lang="de-DE" dirty="0"/>
+              <a:t> matter</a:t>
+            </a:r>
+          </a:p>
+          <a:p>
+            <a:r>
+              <a:rPr lang="de-DE" dirty="0" err="1"/>
+              <a:t>Bigger</a:t>
+            </a:r>
+            <a:r>
+              <a:rPr lang="de-DE" dirty="0"/>
+              <a:t> != </a:t>
+            </a:r>
+            <a:r>
+              <a:rPr lang="de-DE" dirty="0" err="1"/>
+              <a:t>better</a:t>
+            </a:r>
+            <a:endParaRPr lang="de-DE" dirty="0"/>
+          </a:p>
+          <a:p>
+            <a:r>
+              <a:rPr lang="de-DE" dirty="0"/>
+              <a:t>Fast </a:t>
+            </a:r>
+            <a:r>
+              <a:rPr lang="de-DE" dirty="0" err="1"/>
+              <a:t>or</a:t>
+            </a:r>
+            <a:r>
+              <a:rPr lang="de-DE" dirty="0"/>
+              <a:t> </a:t>
+            </a:r>
+            <a:r>
+              <a:rPr lang="de-DE" dirty="0" err="1"/>
+              <a:t>nothing</a:t>
+            </a:r>
             <a:endParaRPr lang="de-DE" dirty="0"/>
           </a:p>
         </p:txBody>
@@ -9062,14 +9631,208 @@
             <p:ph type="title"/>
           </p:nvPr>
         </p:nvSpPr>
+        <p:spPr>
+          <a:xfrm>
+            <a:off x="838200" y="365125"/>
+            <a:ext cx="10515600" cy="1325563"/>
+          </a:xfrm>
+        </p:spPr>
+        <p:txBody>
+          <a:bodyPr/>
+          <a:lstStyle/>
+          <a:p>
+            <a:r>
+              <a:rPr lang="de-DE" dirty="0" err="1"/>
+              <a:t>Fontstyle</a:t>
+            </a:r>
+            <a:r>
+              <a:rPr lang="de-DE" dirty="0"/>
+              <a:t> </a:t>
+            </a:r>
+            <a:r>
+              <a:rPr lang="de-DE" dirty="0" err="1"/>
+              <a:t>detection</a:t>
+            </a:r>
+            <a:r>
+              <a:rPr lang="de-DE" dirty="0"/>
+              <a:t> on CNNs</a:t>
+            </a:r>
+          </a:p>
+        </p:txBody>
+      </p:sp>
+      <p:sp>
+        <p:nvSpPr>
+          <p:cNvPr id="3" name="Inhaltsplatzhalter 2">
+            <a:extLst>
+              <a:ext uri="{FF2B5EF4-FFF2-40B4-BE49-F238E27FC236}">
+                <a16:creationId xmlns:a16="http://schemas.microsoft.com/office/drawing/2014/main" id="{75175799-9D7A-4C65-91B4-D24085A719DB}"/>
+              </a:ext>
+            </a:extLst>
+          </p:cNvPr>
+          <p:cNvSpPr>
+            <a:spLocks noGrp="1"/>
+          </p:cNvSpPr>
+          <p:nvPr>
+            <p:ph idx="1"/>
+          </p:nvPr>
+        </p:nvSpPr>
+        <p:spPr/>
+        <p:txBody>
+          <a:bodyPr>
+            <a:normAutofit/>
+          </a:bodyPr>
+          <a:lstStyle/>
+          <a:p>
+            <a:r>
+              <a:rPr lang="de-DE" dirty="0"/>
+              <a:t>Benefits</a:t>
+            </a:r>
+          </a:p>
+          <a:p>
+            <a:pPr lvl="1"/>
+            <a:r>
+              <a:rPr lang="de-DE" dirty="0" err="1"/>
+              <a:t>Neighborhood</a:t>
+            </a:r>
+            <a:r>
+              <a:rPr lang="de-DE" dirty="0"/>
+              <a:t> </a:t>
+            </a:r>
+            <a:r>
+              <a:rPr lang="de-DE" dirty="0" err="1"/>
+              <a:t>correlation</a:t>
+            </a:r>
+            <a:endParaRPr lang="de-DE" dirty="0"/>
+          </a:p>
+          <a:p>
+            <a:pPr lvl="1"/>
+            <a:r>
+              <a:rPr lang="de-DE" dirty="0"/>
+              <a:t>Efficiency (</a:t>
+            </a:r>
+            <a:r>
+              <a:rPr lang="de-DE" dirty="0" err="1"/>
+              <a:t>small</a:t>
+            </a:r>
+            <a:r>
+              <a:rPr lang="de-DE" dirty="0"/>
+              <a:t> and </a:t>
+            </a:r>
+            <a:r>
+              <a:rPr lang="de-DE" dirty="0" err="1"/>
+              <a:t>accurate</a:t>
+            </a:r>
+            <a:r>
+              <a:rPr lang="de-DE" dirty="0"/>
+              <a:t>)</a:t>
+            </a:r>
+          </a:p>
+          <a:p>
+            <a:r>
+              <a:rPr lang="de-DE" dirty="0" err="1"/>
+              <a:t>Drawbacks</a:t>
+            </a:r>
+            <a:endParaRPr lang="de-DE" dirty="0"/>
+          </a:p>
+          <a:p>
+            <a:pPr lvl="1"/>
+            <a:r>
+              <a:rPr lang="de-DE" dirty="0"/>
+              <a:t>Sensitive</a:t>
+            </a:r>
+          </a:p>
+          <a:p>
+            <a:pPr lvl="1"/>
+            <a:r>
+              <a:rPr lang="de-DE" dirty="0"/>
+              <a:t>Fast </a:t>
+            </a:r>
+            <a:r>
+              <a:rPr lang="de-DE" dirty="0" err="1"/>
+              <a:t>or</a:t>
+            </a:r>
+            <a:r>
+              <a:rPr lang="de-DE" dirty="0"/>
+              <a:t> </a:t>
+            </a:r>
+            <a:r>
+              <a:rPr lang="de-DE" dirty="0" err="1"/>
+              <a:t>nothing</a:t>
+            </a:r>
+            <a:endParaRPr lang="de-DE" dirty="0"/>
+          </a:p>
+          <a:p>
+            <a:pPr lvl="1"/>
+            <a:endParaRPr lang="de-DE" dirty="0"/>
+          </a:p>
+        </p:txBody>
+      </p:sp>
+    </p:spTree>
+    <p:extLst>
+      <p:ext uri="{BB962C8B-B14F-4D97-AF65-F5344CB8AC3E}">
+        <p14:creationId xmlns:p14="http://schemas.microsoft.com/office/powerpoint/2010/main" val="751910860"/>
+      </p:ext>
+    </p:extLst>
+  </p:cSld>
+  <p:clrMapOvr>
+    <a:masterClrMapping/>
+  </p:clrMapOvr>
+</p:sld>
+</file>
+
+<file path=ppt/slides/slide3.xml><?xml version="1.0" encoding="utf-8"?>
+<p:sld xmlns:a="http://schemas.openxmlformats.org/drawingml/2006/main" xmlns:r="http://schemas.openxmlformats.org/officeDocument/2006/relationships" xmlns:p="http://schemas.openxmlformats.org/presentationml/2006/main">
+  <p:cSld>
+    <p:spTree>
+      <p:nvGrpSpPr>
+        <p:cNvPr id="1" name=""/>
+        <p:cNvGrpSpPr/>
+        <p:nvPr/>
+      </p:nvGrpSpPr>
+      <p:grpSpPr>
+        <a:xfrm>
+          <a:off x="0" y="0"/>
+          <a:ext cx="0" cy="0"/>
+          <a:chOff x="0" y="0"/>
+          <a:chExt cx="0" cy="0"/>
+        </a:xfrm>
+      </p:grpSpPr>
+      <p:sp>
+        <p:nvSpPr>
+          <p:cNvPr id="2" name="Titel 1">
+            <a:extLst>
+              <a:ext uri="{FF2B5EF4-FFF2-40B4-BE49-F238E27FC236}">
+                <a16:creationId xmlns:a16="http://schemas.microsoft.com/office/drawing/2014/main" id="{8B115740-2CA1-452B-A7EB-A7BA47364A47}"/>
+              </a:ext>
+            </a:extLst>
+          </p:cNvPr>
+          <p:cNvSpPr>
+            <a:spLocks noGrp="1"/>
+          </p:cNvSpPr>
+          <p:nvPr>
+            <p:ph type="title"/>
+          </p:nvPr>
+        </p:nvSpPr>
         <p:spPr/>
         <p:txBody>
           <a:bodyPr/>
           <a:lstStyle/>
           <a:p>
             <a:r>
-              <a:rPr lang="de-DE" dirty="0"/>
-              <a:t>Schriftartenerkennung mit CNN</a:t>
+              <a:rPr lang="de-DE" dirty="0" err="1"/>
+              <a:t>Fontstyle</a:t>
+            </a:r>
+            <a:r>
+              <a:rPr lang="de-DE" dirty="0"/>
+              <a:t> </a:t>
+            </a:r>
+            <a:r>
+              <a:rPr lang="de-DE" dirty="0" err="1"/>
+              <a:t>detection</a:t>
+            </a:r>
+            <a:r>
+              <a:rPr lang="de-DE" dirty="0"/>
+              <a:t> on CNNs</a:t>
             </a:r>
           </a:p>
         </p:txBody>
@@ -9099,7 +9862,7 @@
           <a:p>
             <a:r>
               <a:rPr lang="de-DE" dirty="0"/>
-              <a:t>Bilderformat 1200 x 40 x 3 (w x h x c)</a:t>
+              <a:t>Imageformat 1200 x 40 x 3 (w x h x c)</a:t>
             </a:r>
           </a:p>
           <a:p>
@@ -9114,7 +9877,15 @@
           <a:p>
             <a:r>
               <a:rPr lang="de-DE" dirty="0"/>
-              <a:t>Labels 1-12 (Schriftarten)</a:t>
+              <a:t>Labels 1-12 (</a:t>
+            </a:r>
+            <a:r>
+              <a:rPr lang="de-DE" dirty="0" err="1"/>
+              <a:t>Fontstyles</a:t>
+            </a:r>
+            <a:r>
+              <a:rPr lang="de-DE" dirty="0"/>
+              <a:t>)</a:t>
             </a:r>
           </a:p>
           <a:p>
@@ -9530,94 +10301,6 @@
 </p:sld>
 </file>
 
-<file path=ppt/slides/slide3.xml><?xml version="1.0" encoding="utf-8"?>
-<p:sld xmlns:a="http://schemas.openxmlformats.org/drawingml/2006/main" xmlns:r="http://schemas.openxmlformats.org/officeDocument/2006/relationships" xmlns:p="http://schemas.openxmlformats.org/presentationml/2006/main">
-  <p:cSld>
-    <p:spTree>
-      <p:nvGrpSpPr>
-        <p:cNvPr id="1" name=""/>
-        <p:cNvGrpSpPr/>
-        <p:nvPr/>
-      </p:nvGrpSpPr>
-      <p:grpSpPr>
-        <a:xfrm>
-          <a:off x="0" y="0"/>
-          <a:ext cx="0" cy="0"/>
-          <a:chOff x="0" y="0"/>
-          <a:chExt cx="0" cy="0"/>
-        </a:xfrm>
-      </p:grpSpPr>
-      <p:sp>
-        <p:nvSpPr>
-          <p:cNvPr id="2" name="Titel 1">
-            <a:extLst>
-              <a:ext uri="{FF2B5EF4-FFF2-40B4-BE49-F238E27FC236}">
-                <a16:creationId xmlns:a16="http://schemas.microsoft.com/office/drawing/2014/main" id="{8B115740-2CA1-452B-A7EB-A7BA47364A47}"/>
-              </a:ext>
-            </a:extLst>
-          </p:cNvPr>
-          <p:cNvSpPr>
-            <a:spLocks noGrp="1"/>
-          </p:cNvSpPr>
-          <p:nvPr>
-            <p:ph type="title"/>
-          </p:nvPr>
-        </p:nvSpPr>
-        <p:spPr/>
-        <p:txBody>
-          <a:bodyPr/>
-          <a:lstStyle/>
-          <a:p>
-            <a:r>
-              <a:rPr lang="de-DE" dirty="0"/>
-              <a:t>Schriftartenerkennung mit CNN</a:t>
-            </a:r>
-          </a:p>
-        </p:txBody>
-      </p:sp>
-      <p:pic>
-        <p:nvPicPr>
-          <p:cNvPr id="9" name="Grafik 8">
-            <a:extLst>
-              <a:ext uri="{FF2B5EF4-FFF2-40B4-BE49-F238E27FC236}">
-                <a16:creationId xmlns:a16="http://schemas.microsoft.com/office/drawing/2014/main" id="{E899761A-FB09-49EE-BD9B-DFADA4301A58}"/>
-              </a:ext>
-            </a:extLst>
-          </p:cNvPr>
-          <p:cNvPicPr>
-            <a:picLocks noChangeAspect="1"/>
-          </p:cNvPicPr>
-          <p:nvPr/>
-        </p:nvPicPr>
-        <p:blipFill>
-          <a:blip r:embed="rId2"/>
-          <a:stretch>
-            <a:fillRect/>
-          </a:stretch>
-        </p:blipFill>
-        <p:spPr>
-          <a:xfrm>
-            <a:off x="482270" y="1843892"/>
-            <a:ext cx="11227459" cy="4359959"/>
-          </a:xfrm>
-          <a:prstGeom prst="rect">
-            <a:avLst/>
-          </a:prstGeom>
-        </p:spPr>
-      </p:pic>
-    </p:spTree>
-    <p:extLst>
-      <p:ext uri="{BB962C8B-B14F-4D97-AF65-F5344CB8AC3E}">
-        <p14:creationId xmlns:p14="http://schemas.microsoft.com/office/powerpoint/2010/main" val="4242823983"/>
-      </p:ext>
-    </p:extLst>
-  </p:cSld>
-  <p:clrMapOvr>
-    <a:masterClrMapping/>
-  </p:clrMapOvr>
-</p:sld>
-</file>
-
 <file path=ppt/slides/slide4.xml><?xml version="1.0" encoding="utf-8"?>
 <p:sld xmlns:a="http://schemas.openxmlformats.org/drawingml/2006/main" xmlns:r="http://schemas.openxmlformats.org/officeDocument/2006/relationships" xmlns:p="http://schemas.openxmlformats.org/presentationml/2006/main">
   <p:cSld>
@@ -9657,136 +10340,58 @@
           <a:lstStyle/>
           <a:p>
             <a:r>
-              <a:rPr lang="de-DE" dirty="0"/>
-              <a:t>Schriftartenerkennung mit CNN</a:t>
+              <a:rPr lang="de-DE" dirty="0" err="1"/>
+              <a:t>Fontstyle</a:t>
+            </a:r>
+            <a:r>
+              <a:rPr lang="de-DE" dirty="0"/>
+              <a:t> </a:t>
+            </a:r>
+            <a:r>
+              <a:rPr lang="de-DE" dirty="0" err="1"/>
+              <a:t>detection</a:t>
+            </a:r>
+            <a:r>
+              <a:rPr lang="de-DE" dirty="0"/>
+              <a:t> on CNNs</a:t>
             </a:r>
           </a:p>
         </p:txBody>
       </p:sp>
-      <p:graphicFrame>
-        <p:nvGraphicFramePr>
-          <p:cNvPr id="7" name="Diagramm 6">
+      <p:pic>
+        <p:nvPicPr>
+          <p:cNvPr id="9" name="Grafik 8">
             <a:extLst>
               <a:ext uri="{FF2B5EF4-FFF2-40B4-BE49-F238E27FC236}">
-                <a16:creationId xmlns:a16="http://schemas.microsoft.com/office/drawing/2014/main" id="{F214E7FB-F84F-4331-9EEA-BAD067EE5477}"/>
+                <a16:creationId xmlns:a16="http://schemas.microsoft.com/office/drawing/2014/main" id="{E899761A-FB09-49EE-BD9B-DFADA4301A58}"/>
               </a:ext>
             </a:extLst>
           </p:cNvPr>
-          <p:cNvGraphicFramePr>
-            <a:graphicFrameLocks/>
-          </p:cNvGraphicFramePr>
-          <p:nvPr>
-            <p:extLst>
-              <p:ext uri="{D42A27DB-BD31-4B8C-83A1-F6EECF244321}">
-                <p14:modId xmlns:p14="http://schemas.microsoft.com/office/powerpoint/2010/main" val="3579609974"/>
-              </p:ext>
-            </p:extLst>
-          </p:nvPr>
-        </p:nvGraphicFramePr>
-        <p:xfrm>
-          <a:off x="838198" y="1561073"/>
-          <a:ext cx="4496081" cy="2433411"/>
-        </p:xfrm>
-        <a:graphic>
-          <a:graphicData uri="http://schemas.openxmlformats.org/drawingml/2006/chart">
-            <c:chart xmlns:c="http://schemas.openxmlformats.org/drawingml/2006/chart" xmlns:r="http://schemas.openxmlformats.org/officeDocument/2006/relationships" r:id="rId2"/>
-          </a:graphicData>
-        </a:graphic>
-      </p:graphicFrame>
-      <p:graphicFrame>
-        <p:nvGraphicFramePr>
-          <p:cNvPr id="8" name="Diagramm 7">
-            <a:extLst>
-              <a:ext uri="{FF2B5EF4-FFF2-40B4-BE49-F238E27FC236}">
-                <a16:creationId xmlns:a16="http://schemas.microsoft.com/office/drawing/2014/main" id="{7160950D-7D3E-4709-8A87-36CDC33F6E19}"/>
-              </a:ext>
-            </a:extLst>
-          </p:cNvPr>
-          <p:cNvGraphicFramePr>
-            <a:graphicFrameLocks/>
-          </p:cNvGraphicFramePr>
-          <p:nvPr>
-            <p:extLst>
-              <p:ext uri="{D42A27DB-BD31-4B8C-83A1-F6EECF244321}">
-                <p14:modId xmlns:p14="http://schemas.microsoft.com/office/powerpoint/2010/main" val="4086818628"/>
-              </p:ext>
-            </p:extLst>
-          </p:nvPr>
-        </p:nvGraphicFramePr>
-        <p:xfrm>
-          <a:off x="838199" y="3994484"/>
-          <a:ext cx="4496080" cy="2275606"/>
-        </p:xfrm>
-        <a:graphic>
-          <a:graphicData uri="http://schemas.openxmlformats.org/drawingml/2006/chart">
-            <c:chart xmlns:c="http://schemas.openxmlformats.org/drawingml/2006/chart" xmlns:r="http://schemas.openxmlformats.org/officeDocument/2006/relationships" r:id="rId3"/>
-          </a:graphicData>
-        </a:graphic>
-      </p:graphicFrame>
-      <p:graphicFrame>
-        <p:nvGraphicFramePr>
-          <p:cNvPr id="9" name="Diagramm 8">
-            <a:extLst>
-              <a:ext uri="{FF2B5EF4-FFF2-40B4-BE49-F238E27FC236}">
-                <a16:creationId xmlns:a16="http://schemas.microsoft.com/office/drawing/2014/main" id="{6005D223-89CA-4CF5-AE4E-297F5CAC9622}"/>
-              </a:ext>
-            </a:extLst>
-          </p:cNvPr>
-          <p:cNvGraphicFramePr>
-            <a:graphicFrameLocks/>
-          </p:cNvGraphicFramePr>
-          <p:nvPr>
-            <p:extLst>
-              <p:ext uri="{D42A27DB-BD31-4B8C-83A1-F6EECF244321}">
-                <p14:modId xmlns:p14="http://schemas.microsoft.com/office/powerpoint/2010/main" val="1310452326"/>
-              </p:ext>
-            </p:extLst>
-          </p:nvPr>
-        </p:nvGraphicFramePr>
-        <p:xfrm>
-          <a:off x="5334279" y="1561073"/>
-          <a:ext cx="4170667" cy="2433411"/>
-        </p:xfrm>
-        <a:graphic>
-          <a:graphicData uri="http://schemas.openxmlformats.org/drawingml/2006/chart">
-            <c:chart xmlns:c="http://schemas.openxmlformats.org/drawingml/2006/chart" xmlns:r="http://schemas.openxmlformats.org/officeDocument/2006/relationships" r:id="rId4"/>
-          </a:graphicData>
-        </a:graphic>
-      </p:graphicFrame>
-      <p:graphicFrame>
-        <p:nvGraphicFramePr>
-          <p:cNvPr id="10" name="Diagramm 9">
-            <a:extLst>
-              <a:ext uri="{FF2B5EF4-FFF2-40B4-BE49-F238E27FC236}">
-                <a16:creationId xmlns:a16="http://schemas.microsoft.com/office/drawing/2014/main" id="{46841FC5-2292-49E9-841E-936F4E87AA6B}"/>
-              </a:ext>
-            </a:extLst>
-          </p:cNvPr>
-          <p:cNvGraphicFramePr>
-            <a:graphicFrameLocks/>
-          </p:cNvGraphicFramePr>
-          <p:nvPr>
-            <p:extLst>
-              <p:ext uri="{D42A27DB-BD31-4B8C-83A1-F6EECF244321}">
-                <p14:modId xmlns:p14="http://schemas.microsoft.com/office/powerpoint/2010/main" val="1252250855"/>
-              </p:ext>
-            </p:extLst>
-          </p:nvPr>
-        </p:nvGraphicFramePr>
-        <p:xfrm>
-          <a:off x="5334278" y="3994484"/>
-          <a:ext cx="4170667" cy="2275606"/>
-        </p:xfrm>
-        <a:graphic>
-          <a:graphicData uri="http://schemas.openxmlformats.org/drawingml/2006/chart">
-            <c:chart xmlns:c="http://schemas.openxmlformats.org/drawingml/2006/chart" xmlns:r="http://schemas.openxmlformats.org/officeDocument/2006/relationships" r:id="rId5"/>
-          </a:graphicData>
-        </a:graphic>
-      </p:graphicFrame>
+          <p:cNvPicPr>
+            <a:picLocks noChangeAspect="1"/>
+          </p:cNvPicPr>
+          <p:nvPr/>
+        </p:nvPicPr>
+        <p:blipFill>
+          <a:blip r:embed="rId2"/>
+          <a:stretch>
+            <a:fillRect/>
+          </a:stretch>
+        </p:blipFill>
+        <p:spPr>
+          <a:xfrm>
+            <a:off x="482270" y="1843892"/>
+            <a:ext cx="11227459" cy="4359959"/>
+          </a:xfrm>
+          <a:prstGeom prst="rect">
+            <a:avLst/>
+          </a:prstGeom>
+        </p:spPr>
+      </p:pic>
     </p:spTree>
     <p:extLst>
       <p:ext uri="{BB962C8B-B14F-4D97-AF65-F5344CB8AC3E}">
-        <p14:creationId xmlns:p14="http://schemas.microsoft.com/office/powerpoint/2010/main" val="751910860"/>
+        <p14:creationId xmlns:p14="http://schemas.microsoft.com/office/powerpoint/2010/main" val="4242823983"/>
       </p:ext>
     </p:extLst>
   </p:cSld>
@@ -9835,397 +10440,132 @@
           <a:lstStyle/>
           <a:p>
             <a:r>
-              <a:rPr lang="de-DE" dirty="0"/>
-              <a:t>Model 1 – Basic Model</a:t>
+              <a:rPr lang="de-DE" dirty="0" err="1"/>
+              <a:t>Fontstyle</a:t>
+            </a:r>
+            <a:r>
+              <a:rPr lang="de-DE" dirty="0"/>
+              <a:t> </a:t>
+            </a:r>
+            <a:r>
+              <a:rPr lang="de-DE" dirty="0" err="1"/>
+              <a:t>detection</a:t>
+            </a:r>
+            <a:r>
+              <a:rPr lang="de-DE" dirty="0"/>
+              <a:t> on CNNs</a:t>
             </a:r>
           </a:p>
         </p:txBody>
       </p:sp>
-      <p:sp>
-        <p:nvSpPr>
-          <p:cNvPr id="9" name="Rechteck 8">
+      <p:graphicFrame>
+        <p:nvGraphicFramePr>
+          <p:cNvPr id="7" name="Diagramm 6">
             <a:extLst>
               <a:ext uri="{FF2B5EF4-FFF2-40B4-BE49-F238E27FC236}">
-                <a16:creationId xmlns:a16="http://schemas.microsoft.com/office/drawing/2014/main" id="{A57E0623-1C8B-4CB4-B80B-FA59C08B90A3}"/>
+                <a16:creationId xmlns:a16="http://schemas.microsoft.com/office/drawing/2014/main" id="{F214E7FB-F84F-4331-9EEA-BAD067EE5477}"/>
               </a:ext>
             </a:extLst>
           </p:cNvPr>
-          <p:cNvSpPr/>
-          <p:nvPr/>
-        </p:nvSpPr>
-        <p:spPr>
-          <a:xfrm>
-            <a:off x="838200" y="1842868"/>
-            <a:ext cx="9600028" cy="4247317"/>
-          </a:xfrm>
-          <a:prstGeom prst="rect">
-            <a:avLst/>
-          </a:prstGeom>
-        </p:spPr>
-        <p:txBody>
-          <a:bodyPr wrap="square">
-            <a:spAutoFit/>
-          </a:bodyPr>
-          <a:lstStyle/>
-          <a:p>
-            <a:endParaRPr lang="de-DE" dirty="0"/>
-          </a:p>
-          <a:p>
-            <a:r>
-              <a:rPr lang="de-DE" dirty="0" err="1"/>
-              <a:t>model.add</a:t>
-            </a:r>
-            <a:r>
-              <a:rPr lang="de-DE" dirty="0"/>
-              <a:t>(Conv2D(8, </a:t>
-            </a:r>
-            <a:r>
-              <a:rPr lang="de-DE" dirty="0" err="1"/>
-              <a:t>kernel_size</a:t>
-            </a:r>
-            <a:r>
-              <a:rPr lang="de-DE" dirty="0"/>
-              <a:t>=(3, 3), </a:t>
-            </a:r>
-            <a:r>
-              <a:rPr lang="de-DE" dirty="0" err="1"/>
-              <a:t>activation</a:t>
-            </a:r>
-            <a:r>
-              <a:rPr lang="de-DE" dirty="0"/>
-              <a:t>='</a:t>
-            </a:r>
-            <a:r>
-              <a:rPr lang="de-DE" dirty="0" err="1"/>
-              <a:t>relu</a:t>
-            </a:r>
-            <a:r>
-              <a:rPr lang="de-DE" dirty="0"/>
-              <a:t>‘,  </a:t>
-            </a:r>
-            <a:r>
-              <a:rPr lang="de-DE" dirty="0" err="1"/>
-              <a:t>input_shape</a:t>
-            </a:r>
-            <a:r>
-              <a:rPr lang="de-DE" dirty="0"/>
-              <a:t>=(40,1200,3)))</a:t>
-            </a:r>
-          </a:p>
-          <a:p>
-            <a:r>
-              <a:rPr lang="de-DE" dirty="0" err="1"/>
-              <a:t>model.add</a:t>
-            </a:r>
-            <a:r>
-              <a:rPr lang="de-DE" dirty="0"/>
-              <a:t>(MaxPooling2D(</a:t>
-            </a:r>
-            <a:r>
-              <a:rPr lang="de-DE" dirty="0" err="1"/>
-              <a:t>pool_size</a:t>
-            </a:r>
-            <a:r>
-              <a:rPr lang="de-DE" dirty="0"/>
-              <a:t>=(2, 2)))</a:t>
-            </a:r>
-          </a:p>
-          <a:p>
-            <a:r>
-              <a:rPr lang="de-DE" dirty="0" err="1"/>
-              <a:t>model.add</a:t>
-            </a:r>
-            <a:r>
-              <a:rPr lang="de-DE" dirty="0"/>
-              <a:t>(Conv2D(16, </a:t>
-            </a:r>
-            <a:r>
-              <a:rPr lang="de-DE" dirty="0" err="1"/>
-              <a:t>kernel_size</a:t>
-            </a:r>
-            <a:r>
-              <a:rPr lang="de-DE" dirty="0"/>
-              <a:t>=(3, 3), </a:t>
-            </a:r>
-            <a:r>
-              <a:rPr lang="de-DE" dirty="0" err="1"/>
-              <a:t>activation</a:t>
-            </a:r>
-            <a:r>
-              <a:rPr lang="de-DE" dirty="0"/>
-              <a:t>='</a:t>
-            </a:r>
-            <a:r>
-              <a:rPr lang="de-DE" dirty="0" err="1"/>
-              <a:t>relu</a:t>
-            </a:r>
-            <a:r>
-              <a:rPr lang="de-DE" dirty="0"/>
-              <a:t>'))</a:t>
-            </a:r>
-          </a:p>
-          <a:p>
-            <a:r>
-              <a:rPr lang="de-DE" dirty="0" err="1"/>
-              <a:t>model.add</a:t>
-            </a:r>
-            <a:r>
-              <a:rPr lang="de-DE" dirty="0"/>
-              <a:t>(MaxPooling2D(</a:t>
-            </a:r>
-            <a:r>
-              <a:rPr lang="de-DE" dirty="0" err="1"/>
-              <a:t>pool_size</a:t>
-            </a:r>
-            <a:r>
-              <a:rPr lang="de-DE" dirty="0"/>
-              <a:t>=(2, 2)))</a:t>
-            </a:r>
-          </a:p>
-          <a:p>
-            <a:r>
-              <a:rPr lang="de-DE" dirty="0" err="1"/>
-              <a:t>model.add</a:t>
-            </a:r>
-            <a:r>
-              <a:rPr lang="de-DE" dirty="0"/>
-              <a:t>(Conv2D(24, </a:t>
-            </a:r>
-            <a:r>
-              <a:rPr lang="de-DE" dirty="0" err="1"/>
-              <a:t>kernel_size</a:t>
-            </a:r>
-            <a:r>
-              <a:rPr lang="de-DE" dirty="0"/>
-              <a:t>=(3, 3), </a:t>
-            </a:r>
-            <a:r>
-              <a:rPr lang="de-DE" dirty="0" err="1"/>
-              <a:t>activation</a:t>
-            </a:r>
-            <a:r>
-              <a:rPr lang="de-DE" dirty="0"/>
-              <a:t>='</a:t>
-            </a:r>
-            <a:r>
-              <a:rPr lang="de-DE" dirty="0" err="1"/>
-              <a:t>sigmoid</a:t>
-            </a:r>
-            <a:r>
-              <a:rPr lang="de-DE" dirty="0"/>
-              <a:t>'))</a:t>
-            </a:r>
-          </a:p>
-          <a:p>
-            <a:r>
-              <a:rPr lang="de-DE" dirty="0" err="1"/>
-              <a:t>model.add</a:t>
-            </a:r>
-            <a:r>
-              <a:rPr lang="de-DE" dirty="0"/>
-              <a:t>(MaxPooling2D(</a:t>
-            </a:r>
-            <a:r>
-              <a:rPr lang="de-DE" dirty="0" err="1"/>
-              <a:t>pool_size</a:t>
-            </a:r>
-            <a:r>
-              <a:rPr lang="de-DE" dirty="0"/>
-              <a:t>=(2, 2)))</a:t>
-            </a:r>
-          </a:p>
-          <a:p>
-            <a:r>
-              <a:rPr lang="de-DE" dirty="0" err="1"/>
-              <a:t>model.add</a:t>
-            </a:r>
-            <a:r>
-              <a:rPr lang="de-DE" dirty="0"/>
-              <a:t>(Dropout(0.2))</a:t>
-            </a:r>
-          </a:p>
-          <a:p>
-            <a:endParaRPr lang="de-DE" dirty="0"/>
-          </a:p>
-          <a:p>
-            <a:r>
-              <a:rPr lang="de-DE" dirty="0" err="1"/>
-              <a:t>model.add</a:t>
-            </a:r>
-            <a:r>
-              <a:rPr lang="de-DE" dirty="0"/>
-              <a:t>(</a:t>
-            </a:r>
-            <a:r>
-              <a:rPr lang="de-DE" dirty="0" err="1"/>
-              <a:t>Flatten</a:t>
-            </a:r>
-            <a:r>
-              <a:rPr lang="de-DE" dirty="0"/>
-              <a:t>())</a:t>
-            </a:r>
-          </a:p>
-          <a:p>
-            <a:r>
-              <a:rPr lang="de-DE" dirty="0" err="1"/>
-              <a:t>model.add</a:t>
-            </a:r>
-            <a:r>
-              <a:rPr lang="de-DE" dirty="0"/>
-              <a:t>(</a:t>
-            </a:r>
-            <a:r>
-              <a:rPr lang="de-DE" dirty="0" err="1"/>
-              <a:t>Dense</a:t>
-            </a:r>
-            <a:r>
-              <a:rPr lang="de-DE" dirty="0"/>
-              <a:t>(256, </a:t>
-            </a:r>
-            <a:r>
-              <a:rPr lang="de-DE" dirty="0" err="1"/>
-              <a:t>activation</a:t>
-            </a:r>
-            <a:r>
-              <a:rPr lang="de-DE" dirty="0"/>
-              <a:t>='</a:t>
-            </a:r>
-            <a:r>
-              <a:rPr lang="de-DE" dirty="0" err="1"/>
-              <a:t>relu</a:t>
-            </a:r>
-            <a:r>
-              <a:rPr lang="de-DE" dirty="0"/>
-              <a:t>'))</a:t>
-            </a:r>
-          </a:p>
-          <a:p>
-            <a:r>
-              <a:rPr lang="de-DE" dirty="0" err="1"/>
-              <a:t>model.add</a:t>
-            </a:r>
-            <a:r>
-              <a:rPr lang="de-DE" dirty="0"/>
-              <a:t>(Dropout(0.4))</a:t>
-            </a:r>
-          </a:p>
-          <a:p>
-            <a:r>
-              <a:rPr lang="de-DE" dirty="0" err="1"/>
-              <a:t>model.add</a:t>
-            </a:r>
-            <a:r>
-              <a:rPr lang="de-DE" dirty="0"/>
-              <a:t>(</a:t>
-            </a:r>
-            <a:r>
-              <a:rPr lang="de-DE" dirty="0" err="1"/>
-              <a:t>Dense</a:t>
-            </a:r>
-            <a:r>
-              <a:rPr lang="de-DE" dirty="0"/>
-              <a:t>(</a:t>
-            </a:r>
-            <a:r>
-              <a:rPr lang="de-DE" dirty="0" err="1"/>
-              <a:t>len</a:t>
-            </a:r>
-            <a:r>
-              <a:rPr lang="de-DE" dirty="0"/>
-              <a:t>(</a:t>
-            </a:r>
-            <a:r>
-              <a:rPr lang="de-DE" dirty="0" err="1"/>
-              <a:t>classes</a:t>
-            </a:r>
-            <a:r>
-              <a:rPr lang="de-DE" dirty="0"/>
-              <a:t>), </a:t>
-            </a:r>
-            <a:r>
-              <a:rPr lang="de-DE" dirty="0" err="1"/>
-              <a:t>activation</a:t>
-            </a:r>
-            <a:r>
-              <a:rPr lang="de-DE" dirty="0"/>
-              <a:t>='</a:t>
-            </a:r>
-            <a:r>
-              <a:rPr lang="de-DE" dirty="0" err="1"/>
-              <a:t>softmax</a:t>
-            </a:r>
-            <a:r>
-              <a:rPr lang="de-DE" dirty="0"/>
-              <a:t>'))</a:t>
-            </a:r>
-          </a:p>
-          <a:p>
-            <a:endParaRPr lang="de-DE" dirty="0"/>
-          </a:p>
-          <a:p>
-            <a:r>
-              <a:rPr lang="de-DE" dirty="0" err="1"/>
-              <a:t>model.compile</a:t>
-            </a:r>
-            <a:r>
-              <a:rPr lang="de-DE" dirty="0"/>
-              <a:t>(</a:t>
-            </a:r>
-            <a:r>
-              <a:rPr lang="de-DE" dirty="0" err="1"/>
-              <a:t>loss</a:t>
-            </a:r>
-            <a:r>
-              <a:rPr lang="de-DE" dirty="0"/>
-              <a:t>=</a:t>
-            </a:r>
-            <a:r>
-              <a:rPr lang="de-DE" dirty="0" err="1"/>
-              <a:t>keras.losses.mean_squared_error</a:t>
-            </a:r>
-            <a:r>
-              <a:rPr lang="de-DE" dirty="0"/>
-              <a:t>, </a:t>
-            </a:r>
-            <a:r>
-              <a:rPr lang="de-DE" dirty="0" err="1"/>
-              <a:t>optimizer</a:t>
-            </a:r>
-            <a:r>
-              <a:rPr lang="de-DE" dirty="0"/>
-              <a:t>="</a:t>
-            </a:r>
-            <a:r>
-              <a:rPr lang="de-DE" dirty="0" err="1"/>
-              <a:t>rmsprop</a:t>
-            </a:r>
-            <a:r>
-              <a:rPr lang="de-DE" dirty="0"/>
-              <a:t>", </a:t>
-            </a:r>
-            <a:r>
-              <a:rPr lang="de-DE" dirty="0" err="1"/>
-              <a:t>metrics</a:t>
-            </a:r>
-            <a:r>
-              <a:rPr lang="de-DE" dirty="0"/>
-              <a:t>=['</a:t>
-            </a:r>
-            <a:r>
-              <a:rPr lang="de-DE" dirty="0" err="1"/>
-              <a:t>accuracy</a:t>
-            </a:r>
-            <a:r>
-              <a:rPr lang="de-DE" dirty="0"/>
-              <a:t>'])</a:t>
-            </a:r>
-          </a:p>
-        </p:txBody>
-      </p:sp>
+          <p:cNvGraphicFramePr>
+            <a:graphicFrameLocks/>
+          </p:cNvGraphicFramePr>
+          <p:nvPr>
+            <p:extLst/>
+          </p:nvPr>
+        </p:nvGraphicFramePr>
+        <p:xfrm>
+          <a:off x="838198" y="1561073"/>
+          <a:ext cx="4496081" cy="2433411"/>
+        </p:xfrm>
+        <a:graphic>
+          <a:graphicData uri="http://schemas.openxmlformats.org/drawingml/2006/chart">
+            <c:chart xmlns:c="http://schemas.openxmlformats.org/drawingml/2006/chart" xmlns:r="http://schemas.openxmlformats.org/officeDocument/2006/relationships" r:id="rId2"/>
+          </a:graphicData>
+        </a:graphic>
+      </p:graphicFrame>
+      <p:graphicFrame>
+        <p:nvGraphicFramePr>
+          <p:cNvPr id="8" name="Diagramm 7">
+            <a:extLst>
+              <a:ext uri="{FF2B5EF4-FFF2-40B4-BE49-F238E27FC236}">
+                <a16:creationId xmlns:a16="http://schemas.microsoft.com/office/drawing/2014/main" id="{7160950D-7D3E-4709-8A87-36CDC33F6E19}"/>
+              </a:ext>
+            </a:extLst>
+          </p:cNvPr>
+          <p:cNvGraphicFramePr>
+            <a:graphicFrameLocks/>
+          </p:cNvGraphicFramePr>
+          <p:nvPr>
+            <p:extLst/>
+          </p:nvPr>
+        </p:nvGraphicFramePr>
+        <p:xfrm>
+          <a:off x="838199" y="3994484"/>
+          <a:ext cx="4496080" cy="2275606"/>
+        </p:xfrm>
+        <a:graphic>
+          <a:graphicData uri="http://schemas.openxmlformats.org/drawingml/2006/chart">
+            <c:chart xmlns:c="http://schemas.openxmlformats.org/drawingml/2006/chart" xmlns:r="http://schemas.openxmlformats.org/officeDocument/2006/relationships" r:id="rId3"/>
+          </a:graphicData>
+        </a:graphic>
+      </p:graphicFrame>
+      <p:graphicFrame>
+        <p:nvGraphicFramePr>
+          <p:cNvPr id="9" name="Diagramm 8">
+            <a:extLst>
+              <a:ext uri="{FF2B5EF4-FFF2-40B4-BE49-F238E27FC236}">
+                <a16:creationId xmlns:a16="http://schemas.microsoft.com/office/drawing/2014/main" id="{6005D223-89CA-4CF5-AE4E-297F5CAC9622}"/>
+              </a:ext>
+            </a:extLst>
+          </p:cNvPr>
+          <p:cNvGraphicFramePr>
+            <a:graphicFrameLocks/>
+          </p:cNvGraphicFramePr>
+          <p:nvPr>
+            <p:extLst/>
+          </p:nvPr>
+        </p:nvGraphicFramePr>
+        <p:xfrm>
+          <a:off x="5334279" y="1561073"/>
+          <a:ext cx="4170667" cy="2433411"/>
+        </p:xfrm>
+        <a:graphic>
+          <a:graphicData uri="http://schemas.openxmlformats.org/drawingml/2006/chart">
+            <c:chart xmlns:c="http://schemas.openxmlformats.org/drawingml/2006/chart" xmlns:r="http://schemas.openxmlformats.org/officeDocument/2006/relationships" r:id="rId4"/>
+          </a:graphicData>
+        </a:graphic>
+      </p:graphicFrame>
+      <p:graphicFrame>
+        <p:nvGraphicFramePr>
+          <p:cNvPr id="10" name="Diagramm 9">
+            <a:extLst>
+              <a:ext uri="{FF2B5EF4-FFF2-40B4-BE49-F238E27FC236}">
+                <a16:creationId xmlns:a16="http://schemas.microsoft.com/office/drawing/2014/main" id="{46841FC5-2292-49E9-841E-936F4E87AA6B}"/>
+              </a:ext>
+            </a:extLst>
+          </p:cNvPr>
+          <p:cNvGraphicFramePr>
+            <a:graphicFrameLocks/>
+          </p:cNvGraphicFramePr>
+          <p:nvPr>
+            <p:extLst/>
+          </p:nvPr>
+        </p:nvGraphicFramePr>
+        <p:xfrm>
+          <a:off x="5334278" y="3994484"/>
+          <a:ext cx="4170667" cy="2275606"/>
+        </p:xfrm>
+        <a:graphic>
+          <a:graphicData uri="http://schemas.openxmlformats.org/drawingml/2006/chart">
+            <c:chart xmlns:c="http://schemas.openxmlformats.org/drawingml/2006/chart" xmlns:r="http://schemas.openxmlformats.org/officeDocument/2006/relationships" r:id="rId5"/>
+          </a:graphicData>
+        </a:graphic>
+      </p:graphicFrame>
     </p:spTree>
     <p:extLst>
       <p:ext uri="{BB962C8B-B14F-4D97-AF65-F5344CB8AC3E}">
-        <p14:creationId xmlns:p14="http://schemas.microsoft.com/office/powerpoint/2010/main" val="3375987929"/>
+        <p14:creationId xmlns:p14="http://schemas.microsoft.com/office/powerpoint/2010/main" val="1310404171"/>
       </p:ext>
     </p:extLst>
   </p:cSld>
@@ -10275,7 +10615,7 @@
           <a:p>
             <a:r>
               <a:rPr lang="de-DE" dirty="0"/>
-              <a:t>Model 2 – 5x5 Kernel</a:t>
+              <a:t>Model 1 – Basic Model</a:t>
             </a:r>
           </a:p>
         </p:txBody>
@@ -10324,19 +10664,7 @@
             </a:r>
             <a:r>
               <a:rPr lang="de-DE" dirty="0"/>
-              <a:t>=(</a:t>
-            </a:r>
-            <a:r>
-              <a:rPr lang="de-DE" dirty="0">
-                <a:solidFill>
-                  <a:schemeClr val="accent6"/>
-                </a:solidFill>
-              </a:rPr>
-              <a:t>5, 5</a:t>
-            </a:r>
-            <a:r>
-              <a:rPr lang="de-DE" dirty="0"/>
-              <a:t>), </a:t>
+              <a:t>=(3, 3), </a:t>
             </a:r>
             <a:r>
               <a:rPr lang="de-DE" dirty="0" err="1"/>
@@ -10676,7 +11004,7 @@
     </p:spTree>
     <p:extLst>
       <p:ext uri="{BB962C8B-B14F-4D97-AF65-F5344CB8AC3E}">
-        <p14:creationId xmlns:p14="http://schemas.microsoft.com/office/powerpoint/2010/main" val="3935822183"/>
+        <p14:creationId xmlns:p14="http://schemas.microsoft.com/office/powerpoint/2010/main" val="3375987929"/>
       </p:ext>
     </p:extLst>
   </p:cSld>
@@ -10726,7 +11054,7 @@
           <a:p>
             <a:r>
               <a:rPr lang="de-DE" dirty="0"/>
-              <a:t>Model 3 – 9x9 Kernel</a:t>
+              <a:t>Model 2 – 5x5 Kernel</a:t>
             </a:r>
           </a:p>
         </p:txBody>
@@ -10783,7 +11111,7 @@
                   <a:schemeClr val="accent6"/>
                 </a:solidFill>
               </a:rPr>
-              <a:t>9, 9</a:t>
+              <a:t>5, 5</a:t>
             </a:r>
             <a:r>
               <a:rPr lang="de-DE" dirty="0"/>
@@ -11127,7 +11455,7 @@
     </p:spTree>
     <p:extLst>
       <p:ext uri="{BB962C8B-B14F-4D97-AF65-F5344CB8AC3E}">
-        <p14:creationId xmlns:p14="http://schemas.microsoft.com/office/powerpoint/2010/main" val="1172149864"/>
+        <p14:creationId xmlns:p14="http://schemas.microsoft.com/office/powerpoint/2010/main" val="3935822183"/>
       </p:ext>
     </p:extLst>
   </p:cSld>
@@ -11177,7 +11505,7 @@
           <a:p>
             <a:r>
               <a:rPr lang="de-DE" dirty="0"/>
-              <a:t>Model 4 – Extra Conv2D Layer</a:t>
+              <a:t>Model 3 – 9x9 Kernel</a:t>
             </a:r>
           </a:p>
         </p:txBody>
@@ -11197,7 +11525,7 @@
         <p:spPr>
           <a:xfrm>
             <a:off x="838200" y="1842868"/>
-            <a:ext cx="9600028" cy="4524315"/>
+            <a:ext cx="9600028" cy="4247317"/>
           </a:xfrm>
           <a:prstGeom prst="rect">
             <a:avLst/>
@@ -11226,145 +11554,7 @@
             </a:r>
             <a:r>
               <a:rPr lang="de-DE" dirty="0"/>
-              <a:t>=(3, 3), </a:t>
-            </a:r>
-            <a:r>
-              <a:rPr lang="de-DE" dirty="0" err="1"/>
-              <a:t>activation</a:t>
-            </a:r>
-            <a:r>
-              <a:rPr lang="de-DE" dirty="0"/>
-              <a:t>='</a:t>
-            </a:r>
-            <a:r>
-              <a:rPr lang="de-DE" dirty="0" err="1"/>
-              <a:t>relu</a:t>
-            </a:r>
-            <a:r>
-              <a:rPr lang="de-DE" dirty="0"/>
-              <a:t>‘,  </a:t>
-            </a:r>
-            <a:r>
-              <a:rPr lang="de-DE" dirty="0" err="1"/>
-              <a:t>input_shape</a:t>
-            </a:r>
-            <a:r>
-              <a:rPr lang="de-DE" dirty="0"/>
-              <a:t>=(40,1200,3)))</a:t>
-            </a:r>
-          </a:p>
-          <a:p>
-            <a:r>
-              <a:rPr lang="de-DE" dirty="0" err="1"/>
-              <a:t>model.add</a:t>
-            </a:r>
-            <a:r>
-              <a:rPr lang="de-DE" dirty="0"/>
-              <a:t>(MaxPooling2D(</a:t>
-            </a:r>
-            <a:r>
-              <a:rPr lang="de-DE" dirty="0" err="1"/>
-              <a:t>pool_size</a:t>
-            </a:r>
-            <a:r>
-              <a:rPr lang="de-DE" dirty="0"/>
-              <a:t>=(2, 2)))</a:t>
-            </a:r>
-          </a:p>
-          <a:p>
-            <a:r>
-              <a:rPr lang="de-DE" dirty="0" err="1"/>
-              <a:t>model.add</a:t>
-            </a:r>
-            <a:r>
-              <a:rPr lang="de-DE" dirty="0"/>
-              <a:t>(Conv2D(16, </a:t>
-            </a:r>
-            <a:r>
-              <a:rPr lang="de-DE" dirty="0" err="1"/>
-              <a:t>kernel_size</a:t>
-            </a:r>
-            <a:r>
-              <a:rPr lang="de-DE" dirty="0"/>
-              <a:t>=(3, 3), </a:t>
-            </a:r>
-            <a:r>
-              <a:rPr lang="de-DE" dirty="0" err="1"/>
-              <a:t>activation</a:t>
-            </a:r>
-            <a:r>
-              <a:rPr lang="de-DE" dirty="0"/>
-              <a:t>='</a:t>
-            </a:r>
-            <a:r>
-              <a:rPr lang="de-DE" dirty="0" err="1"/>
-              <a:t>relu</a:t>
-            </a:r>
-            <a:r>
-              <a:rPr lang="de-DE" dirty="0"/>
-              <a:t>'))</a:t>
-            </a:r>
-          </a:p>
-          <a:p>
-            <a:r>
-              <a:rPr lang="de-DE" dirty="0" err="1"/>
-              <a:t>model.add</a:t>
-            </a:r>
-            <a:r>
-              <a:rPr lang="de-DE" dirty="0"/>
-              <a:t>(MaxPooling2D(</a:t>
-            </a:r>
-            <a:r>
-              <a:rPr lang="de-DE" dirty="0" err="1"/>
-              <a:t>pool_size</a:t>
-            </a:r>
-            <a:r>
-              <a:rPr lang="de-DE" dirty="0"/>
-              <a:t>=(2, 2)))</a:t>
-            </a:r>
-          </a:p>
-          <a:p>
-            <a:r>
-              <a:rPr lang="de-DE" dirty="0" err="1"/>
-              <a:t>model.add</a:t>
-            </a:r>
-            <a:r>
-              <a:rPr lang="de-DE" dirty="0"/>
-              <a:t>(Conv2D(24, </a:t>
-            </a:r>
-            <a:r>
-              <a:rPr lang="de-DE" dirty="0" err="1"/>
-              <a:t>kernel_size</a:t>
-            </a:r>
-            <a:r>
-              <a:rPr lang="de-DE" dirty="0"/>
-              <a:t>=(3, 3), </a:t>
-            </a:r>
-            <a:r>
-              <a:rPr lang="de-DE" dirty="0" err="1"/>
-              <a:t>activation</a:t>
-            </a:r>
-            <a:r>
-              <a:rPr lang="de-DE" dirty="0"/>
-              <a:t>='</a:t>
-            </a:r>
-            <a:r>
-              <a:rPr lang="de-DE" dirty="0" err="1"/>
-              <a:t>sigmoid</a:t>
-            </a:r>
-            <a:r>
-              <a:rPr lang="de-DE" dirty="0"/>
-              <a:t>‘))</a:t>
-            </a:r>
-          </a:p>
-          <a:p>
-            <a:r>
-              <a:rPr lang="de-DE" dirty="0" err="1">
-                <a:solidFill>
-                  <a:schemeClr val="accent6"/>
-                </a:solidFill>
-              </a:rPr>
-              <a:t>model.add</a:t>
+              <a:t>=(</a:t>
             </a:r>
             <a:r>
               <a:rPr lang="de-DE" dirty="0">
@@ -11372,54 +11562,138 @@
                   <a:schemeClr val="accent6"/>
                 </a:solidFill>
               </a:rPr>
+              <a:t>9, 9</a:t>
+            </a:r>
+            <a:r>
+              <a:rPr lang="de-DE" dirty="0"/>
+              <a:t>), </a:t>
+            </a:r>
+            <a:r>
+              <a:rPr lang="de-DE" dirty="0" err="1"/>
+              <a:t>activation</a:t>
+            </a:r>
+            <a:r>
+              <a:rPr lang="de-DE" dirty="0"/>
+              <a:t>='</a:t>
+            </a:r>
+            <a:r>
+              <a:rPr lang="de-DE" dirty="0" err="1"/>
+              <a:t>relu</a:t>
+            </a:r>
+            <a:r>
+              <a:rPr lang="de-DE" dirty="0"/>
+              <a:t>‘,  </a:t>
+            </a:r>
+            <a:r>
+              <a:rPr lang="de-DE" dirty="0" err="1"/>
+              <a:t>input_shape</a:t>
+            </a:r>
+            <a:r>
+              <a:rPr lang="de-DE" dirty="0"/>
+              <a:t>=(40,1200,3)))</a:t>
+            </a:r>
+          </a:p>
+          <a:p>
+            <a:r>
+              <a:rPr lang="de-DE" dirty="0" err="1"/>
+              <a:t>model.add</a:t>
+            </a:r>
+            <a:r>
+              <a:rPr lang="de-DE" dirty="0"/>
+              <a:t>(MaxPooling2D(</a:t>
+            </a:r>
+            <a:r>
+              <a:rPr lang="de-DE" dirty="0" err="1"/>
+              <a:t>pool_size</a:t>
+            </a:r>
+            <a:r>
+              <a:rPr lang="de-DE" dirty="0"/>
+              <a:t>=(2, 2)))</a:t>
+            </a:r>
+          </a:p>
+          <a:p>
+            <a:r>
+              <a:rPr lang="de-DE" dirty="0" err="1"/>
+              <a:t>model.add</a:t>
+            </a:r>
+            <a:r>
+              <a:rPr lang="de-DE" dirty="0"/>
+              <a:t>(Conv2D(16, </a:t>
+            </a:r>
+            <a:r>
+              <a:rPr lang="de-DE" dirty="0" err="1"/>
+              <a:t>kernel_size</a:t>
+            </a:r>
+            <a:r>
+              <a:rPr lang="de-DE" dirty="0"/>
+              <a:t>=(3, 3), </a:t>
+            </a:r>
+            <a:r>
+              <a:rPr lang="de-DE" dirty="0" err="1"/>
+              <a:t>activation</a:t>
+            </a:r>
+            <a:r>
+              <a:rPr lang="de-DE" dirty="0"/>
+              <a:t>='</a:t>
+            </a:r>
+            <a:r>
+              <a:rPr lang="de-DE" dirty="0" err="1"/>
+              <a:t>relu</a:t>
+            </a:r>
+            <a:r>
+              <a:rPr lang="de-DE" dirty="0"/>
+              <a:t>'))</a:t>
+            </a:r>
+          </a:p>
+          <a:p>
+            <a:r>
+              <a:rPr lang="de-DE" dirty="0" err="1"/>
+              <a:t>model.add</a:t>
+            </a:r>
+            <a:r>
+              <a:rPr lang="de-DE" dirty="0"/>
+              <a:t>(MaxPooling2D(</a:t>
+            </a:r>
+            <a:r>
+              <a:rPr lang="de-DE" dirty="0" err="1"/>
+              <a:t>pool_size</a:t>
+            </a:r>
+            <a:r>
+              <a:rPr lang="de-DE" dirty="0"/>
+              <a:t>=(2, 2)))</a:t>
+            </a:r>
+          </a:p>
+          <a:p>
+            <a:r>
+              <a:rPr lang="de-DE" dirty="0" err="1"/>
+              <a:t>model.add</a:t>
+            </a:r>
+            <a:r>
+              <a:rPr lang="de-DE" dirty="0"/>
               <a:t>(Conv2D(24, </a:t>
             </a:r>
             <a:r>
-              <a:rPr lang="de-DE" dirty="0" err="1">
-                <a:solidFill>
-                  <a:schemeClr val="accent6"/>
-                </a:solidFill>
-              </a:rPr>
+              <a:rPr lang="de-DE" dirty="0" err="1"/>
               <a:t>kernel_size</a:t>
             </a:r>
             <a:r>
-              <a:rPr lang="de-DE" dirty="0">
-                <a:solidFill>
-                  <a:schemeClr val="accent6"/>
-                </a:solidFill>
-              </a:rPr>
+              <a:rPr lang="de-DE" dirty="0"/>
               <a:t>=(3, 3), </a:t>
             </a:r>
             <a:r>
-              <a:rPr lang="de-DE" dirty="0" err="1">
-                <a:solidFill>
-                  <a:schemeClr val="accent6"/>
-                </a:solidFill>
-              </a:rPr>
+              <a:rPr lang="de-DE" dirty="0" err="1"/>
               <a:t>activation</a:t>
             </a:r>
             <a:r>
-              <a:rPr lang="de-DE" dirty="0">
-                <a:solidFill>
-                  <a:schemeClr val="accent6"/>
-                </a:solidFill>
-              </a:rPr>
+              <a:rPr lang="de-DE" dirty="0"/>
               <a:t>='</a:t>
             </a:r>
             <a:r>
-              <a:rPr lang="de-DE" dirty="0" err="1">
-                <a:solidFill>
-                  <a:schemeClr val="accent6"/>
-                </a:solidFill>
-              </a:rPr>
+              <a:rPr lang="de-DE" dirty="0" err="1"/>
               <a:t>sigmoid</a:t>
             </a:r>
             <a:r>
-              <a:rPr lang="de-DE" dirty="0">
-                <a:solidFill>
-                  <a:schemeClr val="accent6"/>
-                </a:solidFill>
-              </a:rPr>
+              <a:rPr lang="de-DE" dirty="0"/>
               <a:t>'))</a:t>
             </a:r>
           </a:p>
@@ -11632,7 +11906,7 @@
     </p:spTree>
     <p:extLst>
       <p:ext uri="{BB962C8B-B14F-4D97-AF65-F5344CB8AC3E}">
-        <p14:creationId xmlns:p14="http://schemas.microsoft.com/office/powerpoint/2010/main" val="3615691869"/>
+        <p14:creationId xmlns:p14="http://schemas.microsoft.com/office/powerpoint/2010/main" val="1172149864"/>
       </p:ext>
     </p:extLst>
   </p:cSld>
@@ -11682,15 +11956,7 @@
           <a:p>
             <a:r>
               <a:rPr lang="de-DE" dirty="0"/>
-              <a:t>Model 5 – Extra </a:t>
-            </a:r>
-            <a:r>
-              <a:rPr lang="de-DE" dirty="0" err="1"/>
-              <a:t>Dense</a:t>
-            </a:r>
-            <a:r>
-              <a:rPr lang="de-DE" dirty="0"/>
-              <a:t> Layer</a:t>
+              <a:t>Model 4 – Extra Conv2D Layer</a:t>
             </a:r>
           </a:p>
         </p:txBody>
@@ -11867,89 +12133,6 @@
             </a:r>
             <a:r>
               <a:rPr lang="de-DE" dirty="0"/>
-              <a:t>'))</a:t>
-            </a:r>
-          </a:p>
-          <a:p>
-            <a:r>
-              <a:rPr lang="de-DE" dirty="0" err="1"/>
-              <a:t>model.add</a:t>
-            </a:r>
-            <a:r>
-              <a:rPr lang="de-DE" dirty="0"/>
-              <a:t>(MaxPooling2D(</a:t>
-            </a:r>
-            <a:r>
-              <a:rPr lang="de-DE" dirty="0" err="1"/>
-              <a:t>pool_size</a:t>
-            </a:r>
-            <a:r>
-              <a:rPr lang="de-DE" dirty="0"/>
-              <a:t>=(2, 2)))</a:t>
-            </a:r>
-          </a:p>
-          <a:p>
-            <a:r>
-              <a:rPr lang="de-DE" dirty="0" err="1"/>
-              <a:t>model.add</a:t>
-            </a:r>
-            <a:r>
-              <a:rPr lang="de-DE" dirty="0"/>
-              <a:t>(Dropout(0.2))</a:t>
-            </a:r>
-          </a:p>
-          <a:p>
-            <a:endParaRPr lang="de-DE" dirty="0"/>
-          </a:p>
-          <a:p>
-            <a:r>
-              <a:rPr lang="de-DE" dirty="0" err="1"/>
-              <a:t>model.add</a:t>
-            </a:r>
-            <a:r>
-              <a:rPr lang="de-DE" dirty="0"/>
-              <a:t>(</a:t>
-            </a:r>
-            <a:r>
-              <a:rPr lang="de-DE" dirty="0" err="1"/>
-              <a:t>Flatten</a:t>
-            </a:r>
-            <a:r>
-              <a:rPr lang="de-DE" dirty="0"/>
-              <a:t>())</a:t>
-            </a:r>
-          </a:p>
-          <a:p>
-            <a:r>
-              <a:rPr lang="de-DE" dirty="0" err="1"/>
-              <a:t>model.add</a:t>
-            </a:r>
-            <a:r>
-              <a:rPr lang="de-DE" dirty="0"/>
-              <a:t>(</a:t>
-            </a:r>
-            <a:r>
-              <a:rPr lang="de-DE" dirty="0" err="1"/>
-              <a:t>Dense</a:t>
-            </a:r>
-            <a:r>
-              <a:rPr lang="de-DE" dirty="0"/>
-              <a:t>(256, </a:t>
-            </a:r>
-            <a:r>
-              <a:rPr lang="de-DE" dirty="0" err="1"/>
-              <a:t>activation</a:t>
-            </a:r>
-            <a:r>
-              <a:rPr lang="de-DE" dirty="0"/>
-              <a:t>='</a:t>
-            </a:r>
-            <a:r>
-              <a:rPr lang="de-DE" dirty="0" err="1"/>
-              <a:t>relu</a:t>
-            </a:r>
-            <a:r>
-              <a:rPr lang="de-DE" dirty="0"/>
               <a:t>‘))</a:t>
             </a:r>
           </a:p>
@@ -11968,7 +12151,7 @@
                   <a:schemeClr val="accent6"/>
                 </a:solidFill>
               </a:rPr>
-              <a:t>(</a:t>
+              <a:t>(Conv2D(24, </a:t>
             </a:r>
             <a:r>
               <a:rPr lang="de-DE" dirty="0" err="1">
@@ -11976,7 +12159,7 @@
                   <a:schemeClr val="accent6"/>
                 </a:solidFill>
               </a:rPr>
-              <a:t>Dense</a:t>
+              <a:t>kernel_size</a:t>
             </a:r>
             <a:r>
               <a:rPr lang="de-DE" dirty="0">
@@ -11984,7 +12167,7 @@
                   <a:schemeClr val="accent6"/>
                 </a:solidFill>
               </a:rPr>
-              <a:t>(256, </a:t>
+              <a:t>=(3, 3), </a:t>
             </a:r>
             <a:r>
               <a:rPr lang="de-DE" dirty="0" err="1">
@@ -12008,7 +12191,7 @@
                   <a:schemeClr val="accent6"/>
                 </a:solidFill>
               </a:rPr>
-              <a:t>relu</a:t>
+              <a:t>sigmoid</a:t>
             </a:r>
             <a:r>
               <a:rPr lang="de-DE" dirty="0">
@@ -12026,6 +12209,89 @@
             </a:r>
             <a:r>
               <a:rPr lang="de-DE" dirty="0"/>
+              <a:t>(MaxPooling2D(</a:t>
+            </a:r>
+            <a:r>
+              <a:rPr lang="de-DE" dirty="0" err="1"/>
+              <a:t>pool_size</a:t>
+            </a:r>
+            <a:r>
+              <a:rPr lang="de-DE" dirty="0"/>
+              <a:t>=(2, 2)))</a:t>
+            </a:r>
+          </a:p>
+          <a:p>
+            <a:r>
+              <a:rPr lang="de-DE" dirty="0" err="1"/>
+              <a:t>model.add</a:t>
+            </a:r>
+            <a:r>
+              <a:rPr lang="de-DE" dirty="0"/>
+              <a:t>(Dropout(0.2))</a:t>
+            </a:r>
+          </a:p>
+          <a:p>
+            <a:endParaRPr lang="de-DE" dirty="0"/>
+          </a:p>
+          <a:p>
+            <a:r>
+              <a:rPr lang="de-DE" dirty="0" err="1"/>
+              <a:t>model.add</a:t>
+            </a:r>
+            <a:r>
+              <a:rPr lang="de-DE" dirty="0"/>
+              <a:t>(</a:t>
+            </a:r>
+            <a:r>
+              <a:rPr lang="de-DE" dirty="0" err="1"/>
+              <a:t>Flatten</a:t>
+            </a:r>
+            <a:r>
+              <a:rPr lang="de-DE" dirty="0"/>
+              <a:t>())</a:t>
+            </a:r>
+          </a:p>
+          <a:p>
+            <a:r>
+              <a:rPr lang="de-DE" dirty="0" err="1"/>
+              <a:t>model.add</a:t>
+            </a:r>
+            <a:r>
+              <a:rPr lang="de-DE" dirty="0"/>
+              <a:t>(</a:t>
+            </a:r>
+            <a:r>
+              <a:rPr lang="de-DE" dirty="0" err="1"/>
+              <a:t>Dense</a:t>
+            </a:r>
+            <a:r>
+              <a:rPr lang="de-DE" dirty="0"/>
+              <a:t>(256, </a:t>
+            </a:r>
+            <a:r>
+              <a:rPr lang="de-DE" dirty="0" err="1"/>
+              <a:t>activation</a:t>
+            </a:r>
+            <a:r>
+              <a:rPr lang="de-DE" dirty="0"/>
+              <a:t>='</a:t>
+            </a:r>
+            <a:r>
+              <a:rPr lang="de-DE" dirty="0" err="1"/>
+              <a:t>relu</a:t>
+            </a:r>
+            <a:r>
+              <a:rPr lang="de-DE" dirty="0"/>
+              <a:t>'))</a:t>
+            </a:r>
+          </a:p>
+          <a:p>
+            <a:r>
+              <a:rPr lang="de-DE" dirty="0" err="1"/>
+              <a:t>model.add</a:t>
+            </a:r>
+            <a:r>
+              <a:rPr lang="de-DE" dirty="0"/>
               <a:t>(Dropout(0.4))</a:t>
             </a:r>
           </a:p>
@@ -12145,7 +12411,7 @@
     </p:spTree>
     <p:extLst>
       <p:ext uri="{BB962C8B-B14F-4D97-AF65-F5344CB8AC3E}">
-        <p14:creationId xmlns:p14="http://schemas.microsoft.com/office/powerpoint/2010/main" val="1349546473"/>
+        <p14:creationId xmlns:p14="http://schemas.microsoft.com/office/powerpoint/2010/main" val="3615691869"/>
       </p:ext>
     </p:extLst>
   </p:cSld>
